--- a/Final Project presentation - Casper Peh.pptx
+++ b/Final Project presentation - Casper Peh.pptx
@@ -5,39 +5,42 @@
     <p:sldMasterId id="2147483686" r:id="rId1"/>
   </p:sldMasterIdLst>
   <p:notesMasterIdLst>
-    <p:notesMasterId r:id="rId32"/>
+    <p:notesMasterId r:id="rId35"/>
   </p:notesMasterIdLst>
   <p:sldIdLst>
     <p:sldId id="256" r:id="rId2"/>
     <p:sldId id="266" r:id="rId3"/>
     <p:sldId id="257" r:id="rId4"/>
-    <p:sldId id="258" r:id="rId5"/>
-    <p:sldId id="267" r:id="rId6"/>
-    <p:sldId id="270" r:id="rId7"/>
-    <p:sldId id="271" r:id="rId8"/>
-    <p:sldId id="273" r:id="rId9"/>
-    <p:sldId id="274" r:id="rId10"/>
-    <p:sldId id="272" r:id="rId11"/>
-    <p:sldId id="275" r:id="rId12"/>
-    <p:sldId id="276" r:id="rId13"/>
-    <p:sldId id="278" r:id="rId14"/>
-    <p:sldId id="279" r:id="rId15"/>
-    <p:sldId id="280" r:id="rId16"/>
-    <p:sldId id="281" r:id="rId17"/>
-    <p:sldId id="282" r:id="rId18"/>
-    <p:sldId id="283" r:id="rId19"/>
-    <p:sldId id="277" r:id="rId20"/>
-    <p:sldId id="284" r:id="rId21"/>
-    <p:sldId id="286" r:id="rId22"/>
-    <p:sldId id="285" r:id="rId23"/>
-    <p:sldId id="287" r:id="rId24"/>
-    <p:sldId id="288" r:id="rId25"/>
-    <p:sldId id="289" r:id="rId26"/>
-    <p:sldId id="290" r:id="rId27"/>
-    <p:sldId id="264" r:id="rId28"/>
-    <p:sldId id="291" r:id="rId29"/>
-    <p:sldId id="292" r:id="rId30"/>
-    <p:sldId id="265" r:id="rId31"/>
+    <p:sldId id="294" r:id="rId5"/>
+    <p:sldId id="293" r:id="rId6"/>
+    <p:sldId id="295" r:id="rId7"/>
+    <p:sldId id="258" r:id="rId8"/>
+    <p:sldId id="267" r:id="rId9"/>
+    <p:sldId id="270" r:id="rId10"/>
+    <p:sldId id="271" r:id="rId11"/>
+    <p:sldId id="273" r:id="rId12"/>
+    <p:sldId id="274" r:id="rId13"/>
+    <p:sldId id="272" r:id="rId14"/>
+    <p:sldId id="275" r:id="rId15"/>
+    <p:sldId id="276" r:id="rId16"/>
+    <p:sldId id="278" r:id="rId17"/>
+    <p:sldId id="279" r:id="rId18"/>
+    <p:sldId id="280" r:id="rId19"/>
+    <p:sldId id="281" r:id="rId20"/>
+    <p:sldId id="282" r:id="rId21"/>
+    <p:sldId id="283" r:id="rId22"/>
+    <p:sldId id="277" r:id="rId23"/>
+    <p:sldId id="284" r:id="rId24"/>
+    <p:sldId id="286" r:id="rId25"/>
+    <p:sldId id="285" r:id="rId26"/>
+    <p:sldId id="287" r:id="rId27"/>
+    <p:sldId id="288" r:id="rId28"/>
+    <p:sldId id="289" r:id="rId29"/>
+    <p:sldId id="290" r:id="rId30"/>
+    <p:sldId id="264" r:id="rId31"/>
+    <p:sldId id="291" r:id="rId32"/>
+    <p:sldId id="292" r:id="rId33"/>
+    <p:sldId id="265" r:id="rId34"/>
   </p:sldIdLst>
   <p:sldSz cx="12192000" cy="6858000"/>
   <p:notesSz cx="6858000" cy="9144000"/>
@@ -559,7 +562,7 @@
           <a:p>
             <a:fld id="{B5057195-AF2B-844C-A352-A08CA74838D7}" type="slidenum">
               <a:rPr lang="en-US" smtClean="0"/>
-              <a:t>12</a:t>
+              <a:t>15</a:t>
             </a:fld>
             <a:endParaRPr lang="en-US"/>
           </a:p>
@@ -646,7 +649,7 @@
           <a:p>
             <a:fld id="{B5057195-AF2B-844C-A352-A08CA74838D7}" type="slidenum">
               <a:rPr lang="en-US" smtClean="0"/>
-              <a:t>15</a:t>
+              <a:t>18</a:t>
             </a:fld>
             <a:endParaRPr lang="en-US"/>
           </a:p>
@@ -733,7 +736,7 @@
           <a:p>
             <a:fld id="{B5057195-AF2B-844C-A352-A08CA74838D7}" type="slidenum">
               <a:rPr lang="en-US" smtClean="0"/>
-              <a:t>17</a:t>
+              <a:t>20</a:t>
             </a:fld>
             <a:endParaRPr lang="en-US"/>
           </a:p>
@@ -820,7 +823,7 @@
           <a:p>
             <a:fld id="{B5057195-AF2B-844C-A352-A08CA74838D7}" type="slidenum">
               <a:rPr lang="en-US" smtClean="0"/>
-              <a:t>18</a:t>
+              <a:t>21</a:t>
             </a:fld>
             <a:endParaRPr lang="en-US"/>
           </a:p>
@@ -907,7 +910,7 @@
           <a:p>
             <a:fld id="{B5057195-AF2B-844C-A352-A08CA74838D7}" type="slidenum">
               <a:rPr lang="en-US" smtClean="0"/>
-              <a:t>21</a:t>
+              <a:t>24</a:t>
             </a:fld>
             <a:endParaRPr lang="en-US"/>
           </a:p>
@@ -994,7 +997,7 @@
           <a:p>
             <a:fld id="{B5057195-AF2B-844C-A352-A08CA74838D7}" type="slidenum">
               <a:rPr lang="en-US" smtClean="0"/>
-              <a:t>22</a:t>
+              <a:t>25</a:t>
             </a:fld>
             <a:endParaRPr lang="en-US"/>
           </a:p>
@@ -1081,7 +1084,7 @@
           <a:p>
             <a:fld id="{B5057195-AF2B-844C-A352-A08CA74838D7}" type="slidenum">
               <a:rPr lang="en-US" smtClean="0"/>
-              <a:t>23</a:t>
+              <a:t>26</a:t>
             </a:fld>
             <a:endParaRPr lang="en-US"/>
           </a:p>
@@ -1165,7 +1168,7 @@
           <a:p>
             <a:fld id="{B5057195-AF2B-844C-A352-A08CA74838D7}" type="slidenum">
               <a:rPr lang="en-US" smtClean="0"/>
-              <a:t>27</a:t>
+              <a:t>30</a:t>
             </a:fld>
             <a:endParaRPr lang="en-US"/>
           </a:p>
@@ -8471,6 +8474,783 @@
           <a:chExt cx="0" cy="0"/>
         </a:xfrm>
       </p:grpSpPr>
+      <p:pic>
+        <p:nvPicPr>
+          <p:cNvPr id="7" name="Picture 6" descr="Chart, bar chart&#10;&#10;Description automatically generated">
+            <a:extLst>
+              <a:ext uri="{FF2B5EF4-FFF2-40B4-BE49-F238E27FC236}">
+                <a16:creationId xmlns:a16="http://schemas.microsoft.com/office/drawing/2014/main" id="{6BA31B74-6667-F542-86B6-368E8575C719}"/>
+              </a:ext>
+            </a:extLst>
+          </p:cNvPr>
+          <p:cNvPicPr>
+            <a:picLocks noChangeAspect="1"/>
+          </p:cNvPicPr>
+          <p:nvPr/>
+        </p:nvPicPr>
+        <p:blipFill>
+          <a:blip r:embed="rId2"/>
+          <a:stretch>
+            <a:fillRect/>
+          </a:stretch>
+        </p:blipFill>
+        <p:spPr>
+          <a:xfrm>
+            <a:off x="371652" y="2915743"/>
+            <a:ext cx="11544300" cy="3911600"/>
+          </a:xfrm>
+          <a:prstGeom prst="rect">
+            <a:avLst/>
+          </a:prstGeom>
+        </p:spPr>
+      </p:pic>
+      <p:sp>
+        <p:nvSpPr>
+          <p:cNvPr id="2" name="Title 1">
+            <a:extLst>
+              <a:ext uri="{FF2B5EF4-FFF2-40B4-BE49-F238E27FC236}">
+                <a16:creationId xmlns:a16="http://schemas.microsoft.com/office/drawing/2014/main" id="{FF978FFE-36A7-3440-922B-7E4EED553C63}"/>
+              </a:ext>
+            </a:extLst>
+          </p:cNvPr>
+          <p:cNvSpPr>
+            <a:spLocks noGrp="1"/>
+          </p:cNvSpPr>
+          <p:nvPr>
+            <p:ph type="title"/>
+          </p:nvPr>
+        </p:nvSpPr>
+        <p:spPr/>
+        <p:txBody>
+          <a:bodyPr>
+            <a:normAutofit fontScale="90000"/>
+          </a:bodyPr>
+          <a:lstStyle/>
+          <a:p>
+            <a:pPr lvl="0"/>
+            <a:r>
+              <a:rPr lang="en-SG" dirty="0" err="1"/>
+              <a:t>i</a:t>
+            </a:r>
+            <a:r>
+              <a:rPr lang="en-SG" dirty="0"/>
+              <a:t>) Is there any area with high density of high/low priced HDB?</a:t>
+            </a:r>
+          </a:p>
+        </p:txBody>
+      </p:sp>
+      <p:sp>
+        <p:nvSpPr>
+          <p:cNvPr id="3" name="Content Placeholder 2">
+            <a:extLst>
+              <a:ext uri="{FF2B5EF4-FFF2-40B4-BE49-F238E27FC236}">
+                <a16:creationId xmlns:a16="http://schemas.microsoft.com/office/drawing/2014/main" id="{87DC7C77-DEF8-D944-9D9C-44A60BB38122}"/>
+              </a:ext>
+            </a:extLst>
+          </p:cNvPr>
+          <p:cNvSpPr>
+            <a:spLocks noGrp="1"/>
+          </p:cNvSpPr>
+          <p:nvPr>
+            <p:ph idx="1"/>
+          </p:nvPr>
+        </p:nvSpPr>
+        <p:spPr/>
+        <p:txBody>
+          <a:bodyPr/>
+          <a:lstStyle/>
+          <a:p>
+            <a:r>
+              <a:rPr lang="en-US" dirty="0"/>
+              <a:t>- Bottom 10% of all transactions</a:t>
+            </a:r>
+          </a:p>
+          <a:p>
+            <a:endParaRPr lang="en-SG" dirty="0"/>
+          </a:p>
+          <a:p>
+            <a:endParaRPr lang="en-US" dirty="0"/>
+          </a:p>
+        </p:txBody>
+      </p:sp>
+      <p:sp>
+        <p:nvSpPr>
+          <p:cNvPr id="6" name="Frame 5">
+            <a:extLst>
+              <a:ext uri="{FF2B5EF4-FFF2-40B4-BE49-F238E27FC236}">
+                <a16:creationId xmlns:a16="http://schemas.microsoft.com/office/drawing/2014/main" id="{25AEBA3C-C0FF-A84C-84C2-F5B9C1FCB4FA}"/>
+              </a:ext>
+            </a:extLst>
+          </p:cNvPr>
+          <p:cNvSpPr/>
+          <p:nvPr/>
+        </p:nvSpPr>
+        <p:spPr>
+          <a:xfrm>
+            <a:off x="1108315" y="2932384"/>
+            <a:ext cx="2186976" cy="3878317"/>
+          </a:xfrm>
+          <a:prstGeom prst="frame">
+            <a:avLst>
+              <a:gd name="adj1" fmla="val 3728"/>
+            </a:avLst>
+          </a:prstGeom>
+          <a:solidFill>
+            <a:srgbClr val="00B0F0"/>
+          </a:solidFill>
+        </p:spPr>
+        <p:style>
+          <a:lnRef idx="2">
+            <a:schemeClr val="accent1">
+              <a:shade val="50000"/>
+            </a:schemeClr>
+          </a:lnRef>
+          <a:fillRef idx="1">
+            <a:schemeClr val="accent1"/>
+          </a:fillRef>
+          <a:effectRef idx="0">
+            <a:schemeClr val="accent1"/>
+          </a:effectRef>
+          <a:fontRef idx="minor">
+            <a:schemeClr val="lt1"/>
+          </a:fontRef>
+        </p:style>
+        <p:txBody>
+          <a:bodyPr rtlCol="0" anchor="ctr"/>
+          <a:lstStyle/>
+          <a:p>
+            <a:pPr algn="ctr"/>
+            <a:endParaRPr lang="en-US">
+              <a:solidFill>
+                <a:schemeClr val="tx1"/>
+              </a:solidFill>
+            </a:endParaRPr>
+          </a:p>
+        </p:txBody>
+      </p:sp>
+    </p:spTree>
+    <p:extLst>
+      <p:ext uri="{BB962C8B-B14F-4D97-AF65-F5344CB8AC3E}">
+        <p14:creationId xmlns:p14="http://schemas.microsoft.com/office/powerpoint/2010/main" val="1010853777"/>
+      </p:ext>
+    </p:extLst>
+  </p:cSld>
+  <p:clrMapOvr>
+    <a:masterClrMapping/>
+  </p:clrMapOvr>
+  <p:timing>
+    <p:tnLst>
+      <p:par>
+        <p:cTn id="1" dur="indefinite" restart="never" nodeType="tmRoot">
+          <p:childTnLst>
+            <p:seq concurrent="1" nextAc="seek">
+              <p:cTn id="2" dur="indefinite" nodeType="mainSeq">
+                <p:childTnLst>
+                  <p:par>
+                    <p:cTn id="3" fill="hold">
+                      <p:stCondLst>
+                        <p:cond delay="indefinite"/>
+                      </p:stCondLst>
+                      <p:childTnLst>
+                        <p:par>
+                          <p:cTn id="4" fill="hold">
+                            <p:stCondLst>
+                              <p:cond delay="0"/>
+                            </p:stCondLst>
+                            <p:childTnLst>
+                              <p:par>
+                                <p:cTn id="5" presetID="1" presetClass="entr" presetSubtype="0" fill="hold" grpId="0" nodeType="clickEffect">
+                                  <p:stCondLst>
+                                    <p:cond delay="0"/>
+                                  </p:stCondLst>
+                                  <p:childTnLst>
+                                    <p:set>
+                                      <p:cBhvr>
+                                        <p:cTn id="6" dur="1" fill="hold">
+                                          <p:stCondLst>
+                                            <p:cond delay="0"/>
+                                          </p:stCondLst>
+                                        </p:cTn>
+                                        <p:tgtEl>
+                                          <p:spTgt spid="6"/>
+                                        </p:tgtEl>
+                                        <p:attrNameLst>
+                                          <p:attrName>style.visibility</p:attrName>
+                                        </p:attrNameLst>
+                                      </p:cBhvr>
+                                      <p:to>
+                                        <p:strVal val="visible"/>
+                                      </p:to>
+                                    </p:set>
+                                  </p:childTnLst>
+                                </p:cTn>
+                              </p:par>
+                            </p:childTnLst>
+                          </p:cTn>
+                        </p:par>
+                      </p:childTnLst>
+                    </p:cTn>
+                  </p:par>
+                </p:childTnLst>
+              </p:cTn>
+              <p:prevCondLst>
+                <p:cond evt="onPrev" delay="0">
+                  <p:tgtEl>
+                    <p:sldTgt/>
+                  </p:tgtEl>
+                </p:cond>
+              </p:prevCondLst>
+              <p:nextCondLst>
+                <p:cond evt="onNext" delay="0">
+                  <p:tgtEl>
+                    <p:sldTgt/>
+                  </p:tgtEl>
+                </p:cond>
+              </p:nextCondLst>
+            </p:seq>
+          </p:childTnLst>
+        </p:cTn>
+      </p:par>
+    </p:tnLst>
+    <p:bldLst>
+      <p:bldP spid="6" grpId="0" animBg="1"/>
+    </p:bldLst>
+  </p:timing>
+</p:sld>
+</file>
+
+<file path=ppt/slides/slide11.xml><?xml version="1.0" encoding="utf-8"?>
+<p:sld xmlns:a="http://schemas.openxmlformats.org/drawingml/2006/main" xmlns:r="http://schemas.openxmlformats.org/officeDocument/2006/relationships" xmlns:p="http://schemas.openxmlformats.org/presentationml/2006/main">
+  <p:cSld>
+    <p:spTree>
+      <p:nvGrpSpPr>
+        <p:cNvPr id="1" name=""/>
+        <p:cNvGrpSpPr/>
+        <p:nvPr/>
+      </p:nvGrpSpPr>
+      <p:grpSpPr>
+        <a:xfrm>
+          <a:off x="0" y="0"/>
+          <a:ext cx="0" cy="0"/>
+          <a:chOff x="0" y="0"/>
+          <a:chExt cx="0" cy="0"/>
+        </a:xfrm>
+      </p:grpSpPr>
+      <p:sp>
+        <p:nvSpPr>
+          <p:cNvPr id="2" name="Title 1">
+            <a:extLst>
+              <a:ext uri="{FF2B5EF4-FFF2-40B4-BE49-F238E27FC236}">
+                <a16:creationId xmlns:a16="http://schemas.microsoft.com/office/drawing/2014/main" id="{FF978FFE-36A7-3440-922B-7E4EED553C63}"/>
+              </a:ext>
+            </a:extLst>
+          </p:cNvPr>
+          <p:cNvSpPr>
+            <a:spLocks noGrp="1"/>
+          </p:cNvSpPr>
+          <p:nvPr>
+            <p:ph type="title"/>
+          </p:nvPr>
+        </p:nvSpPr>
+        <p:spPr/>
+        <p:txBody>
+          <a:bodyPr>
+            <a:normAutofit fontScale="90000"/>
+          </a:bodyPr>
+          <a:lstStyle/>
+          <a:p>
+            <a:r>
+              <a:rPr lang="en-SG" dirty="0"/>
+              <a:t>ii) Is there any meaningful trend on the lease-adjusted resale price?</a:t>
+            </a:r>
+          </a:p>
+        </p:txBody>
+      </p:sp>
+      <p:sp>
+        <p:nvSpPr>
+          <p:cNvPr id="3" name="Content Placeholder 2">
+            <a:extLst>
+              <a:ext uri="{FF2B5EF4-FFF2-40B4-BE49-F238E27FC236}">
+                <a16:creationId xmlns:a16="http://schemas.microsoft.com/office/drawing/2014/main" id="{87DC7C77-DEF8-D944-9D9C-44A60BB38122}"/>
+              </a:ext>
+            </a:extLst>
+          </p:cNvPr>
+          <p:cNvSpPr>
+            <a:spLocks noGrp="1"/>
+          </p:cNvSpPr>
+          <p:nvPr>
+            <p:ph idx="1"/>
+          </p:nvPr>
+        </p:nvSpPr>
+        <p:spPr/>
+        <p:txBody>
+          <a:bodyPr/>
+          <a:lstStyle/>
+          <a:p>
+            <a:r>
+              <a:rPr lang="en-US" dirty="0"/>
+              <a:t>- Top 10% of all transactions</a:t>
+            </a:r>
+          </a:p>
+          <a:p>
+            <a:endParaRPr lang="en-SG" dirty="0"/>
+          </a:p>
+          <a:p>
+            <a:endParaRPr lang="en-US" dirty="0"/>
+          </a:p>
+        </p:txBody>
+      </p:sp>
+      <p:pic>
+        <p:nvPicPr>
+          <p:cNvPr id="7" name="Picture 6" descr="Chart, bar chart&#10;&#10;Description automatically generated">
+            <a:extLst>
+              <a:ext uri="{FF2B5EF4-FFF2-40B4-BE49-F238E27FC236}">
+                <a16:creationId xmlns:a16="http://schemas.microsoft.com/office/drawing/2014/main" id="{445AD5E0-0594-574C-A1E0-D27602AB1524}"/>
+              </a:ext>
+            </a:extLst>
+          </p:cNvPr>
+          <p:cNvPicPr>
+            <a:picLocks noChangeAspect="1"/>
+          </p:cNvPicPr>
+          <p:nvPr/>
+        </p:nvPicPr>
+        <p:blipFill>
+          <a:blip r:embed="rId2"/>
+          <a:stretch>
+            <a:fillRect/>
+          </a:stretch>
+        </p:blipFill>
+        <p:spPr>
+          <a:xfrm>
+            <a:off x="1562854" y="2754005"/>
+            <a:ext cx="9485342" cy="4103996"/>
+          </a:xfrm>
+          <a:prstGeom prst="rect">
+            <a:avLst/>
+          </a:prstGeom>
+        </p:spPr>
+      </p:pic>
+      <p:sp>
+        <p:nvSpPr>
+          <p:cNvPr id="6" name="Frame 5">
+            <a:extLst>
+              <a:ext uri="{FF2B5EF4-FFF2-40B4-BE49-F238E27FC236}">
+                <a16:creationId xmlns:a16="http://schemas.microsoft.com/office/drawing/2014/main" id="{25AEBA3C-C0FF-A84C-84C2-F5B9C1FCB4FA}"/>
+              </a:ext>
+            </a:extLst>
+          </p:cNvPr>
+          <p:cNvSpPr/>
+          <p:nvPr/>
+        </p:nvSpPr>
+        <p:spPr>
+          <a:xfrm>
+            <a:off x="2270830" y="2932385"/>
+            <a:ext cx="1818091" cy="3925615"/>
+          </a:xfrm>
+          <a:prstGeom prst="frame">
+            <a:avLst>
+              <a:gd name="adj1" fmla="val 3728"/>
+            </a:avLst>
+          </a:prstGeom>
+          <a:solidFill>
+            <a:srgbClr val="00B0F0"/>
+          </a:solidFill>
+        </p:spPr>
+        <p:style>
+          <a:lnRef idx="2">
+            <a:schemeClr val="accent1">
+              <a:shade val="50000"/>
+            </a:schemeClr>
+          </a:lnRef>
+          <a:fillRef idx="1">
+            <a:schemeClr val="accent1"/>
+          </a:fillRef>
+          <a:effectRef idx="0">
+            <a:schemeClr val="accent1"/>
+          </a:effectRef>
+          <a:fontRef idx="minor">
+            <a:schemeClr val="lt1"/>
+          </a:fontRef>
+        </p:style>
+        <p:txBody>
+          <a:bodyPr rtlCol="0" anchor="ctr"/>
+          <a:lstStyle/>
+          <a:p>
+            <a:pPr algn="ctr"/>
+            <a:endParaRPr lang="en-US">
+              <a:solidFill>
+                <a:schemeClr val="tx1"/>
+              </a:solidFill>
+            </a:endParaRPr>
+          </a:p>
+        </p:txBody>
+      </p:sp>
+    </p:spTree>
+    <p:extLst>
+      <p:ext uri="{BB962C8B-B14F-4D97-AF65-F5344CB8AC3E}">
+        <p14:creationId xmlns:p14="http://schemas.microsoft.com/office/powerpoint/2010/main" val="3317215329"/>
+      </p:ext>
+    </p:extLst>
+  </p:cSld>
+  <p:clrMapOvr>
+    <a:masterClrMapping/>
+  </p:clrMapOvr>
+  <p:timing>
+    <p:tnLst>
+      <p:par>
+        <p:cTn id="1" dur="indefinite" restart="never" nodeType="tmRoot">
+          <p:childTnLst>
+            <p:seq concurrent="1" nextAc="seek">
+              <p:cTn id="2" dur="indefinite" nodeType="mainSeq">
+                <p:childTnLst>
+                  <p:par>
+                    <p:cTn id="3" fill="hold">
+                      <p:stCondLst>
+                        <p:cond delay="indefinite"/>
+                      </p:stCondLst>
+                      <p:childTnLst>
+                        <p:par>
+                          <p:cTn id="4" fill="hold">
+                            <p:stCondLst>
+                              <p:cond delay="0"/>
+                            </p:stCondLst>
+                            <p:childTnLst>
+                              <p:par>
+                                <p:cTn id="5" presetID="1" presetClass="entr" presetSubtype="0" fill="hold" grpId="0" nodeType="clickEffect">
+                                  <p:stCondLst>
+                                    <p:cond delay="0"/>
+                                  </p:stCondLst>
+                                  <p:childTnLst>
+                                    <p:set>
+                                      <p:cBhvr>
+                                        <p:cTn id="6" dur="1" fill="hold">
+                                          <p:stCondLst>
+                                            <p:cond delay="0"/>
+                                          </p:stCondLst>
+                                        </p:cTn>
+                                        <p:tgtEl>
+                                          <p:spTgt spid="6"/>
+                                        </p:tgtEl>
+                                        <p:attrNameLst>
+                                          <p:attrName>style.visibility</p:attrName>
+                                        </p:attrNameLst>
+                                      </p:cBhvr>
+                                      <p:to>
+                                        <p:strVal val="visible"/>
+                                      </p:to>
+                                    </p:set>
+                                  </p:childTnLst>
+                                </p:cTn>
+                              </p:par>
+                            </p:childTnLst>
+                          </p:cTn>
+                        </p:par>
+                      </p:childTnLst>
+                    </p:cTn>
+                  </p:par>
+                </p:childTnLst>
+              </p:cTn>
+              <p:prevCondLst>
+                <p:cond evt="onPrev" delay="0">
+                  <p:tgtEl>
+                    <p:sldTgt/>
+                  </p:tgtEl>
+                </p:cond>
+              </p:prevCondLst>
+              <p:nextCondLst>
+                <p:cond evt="onNext" delay="0">
+                  <p:tgtEl>
+                    <p:sldTgt/>
+                  </p:tgtEl>
+                </p:cond>
+              </p:nextCondLst>
+            </p:seq>
+          </p:childTnLst>
+        </p:cTn>
+      </p:par>
+    </p:tnLst>
+    <p:bldLst>
+      <p:bldP spid="6" grpId="0" animBg="1"/>
+    </p:bldLst>
+  </p:timing>
+</p:sld>
+</file>
+
+<file path=ppt/slides/slide12.xml><?xml version="1.0" encoding="utf-8"?>
+<p:sld xmlns:a="http://schemas.openxmlformats.org/drawingml/2006/main" xmlns:r="http://schemas.openxmlformats.org/officeDocument/2006/relationships" xmlns:p="http://schemas.openxmlformats.org/presentationml/2006/main">
+  <p:cSld>
+    <p:spTree>
+      <p:nvGrpSpPr>
+        <p:cNvPr id="1" name=""/>
+        <p:cNvGrpSpPr/>
+        <p:nvPr/>
+      </p:nvGrpSpPr>
+      <p:grpSpPr>
+        <a:xfrm>
+          <a:off x="0" y="0"/>
+          <a:ext cx="0" cy="0"/>
+          <a:chOff x="0" y="0"/>
+          <a:chExt cx="0" cy="0"/>
+        </a:xfrm>
+      </p:grpSpPr>
+      <p:pic>
+        <p:nvPicPr>
+          <p:cNvPr id="9" name="Picture 8" descr="Chart, bar chart, waterfall chart&#10;&#10;Description automatically generated">
+            <a:extLst>
+              <a:ext uri="{FF2B5EF4-FFF2-40B4-BE49-F238E27FC236}">
+                <a16:creationId xmlns:a16="http://schemas.microsoft.com/office/drawing/2014/main" id="{BB4780F9-A3F8-144F-844A-75960FBA4D13}"/>
+              </a:ext>
+            </a:extLst>
+          </p:cNvPr>
+          <p:cNvPicPr>
+            <a:picLocks noChangeAspect="1"/>
+          </p:cNvPicPr>
+          <p:nvPr/>
+        </p:nvPicPr>
+        <p:blipFill>
+          <a:blip r:embed="rId2"/>
+          <a:stretch>
+            <a:fillRect/>
+          </a:stretch>
+        </p:blipFill>
+        <p:spPr>
+          <a:xfrm>
+            <a:off x="1585246" y="2774977"/>
+            <a:ext cx="9021507" cy="4124117"/>
+          </a:xfrm>
+          <a:prstGeom prst="rect">
+            <a:avLst/>
+          </a:prstGeom>
+        </p:spPr>
+      </p:pic>
+      <p:sp>
+        <p:nvSpPr>
+          <p:cNvPr id="2" name="Title 1">
+            <a:extLst>
+              <a:ext uri="{FF2B5EF4-FFF2-40B4-BE49-F238E27FC236}">
+                <a16:creationId xmlns:a16="http://schemas.microsoft.com/office/drawing/2014/main" id="{FF978FFE-36A7-3440-922B-7E4EED553C63}"/>
+              </a:ext>
+            </a:extLst>
+          </p:cNvPr>
+          <p:cNvSpPr>
+            <a:spLocks noGrp="1"/>
+          </p:cNvSpPr>
+          <p:nvPr>
+            <p:ph type="title"/>
+          </p:nvPr>
+        </p:nvSpPr>
+        <p:spPr/>
+        <p:txBody>
+          <a:bodyPr>
+            <a:normAutofit fontScale="90000"/>
+          </a:bodyPr>
+          <a:lstStyle/>
+          <a:p>
+            <a:pPr lvl="0"/>
+            <a:r>
+              <a:rPr lang="en-SG" dirty="0"/>
+              <a:t>ii) Is there any meaningful trend on the lease-adjusted resale price</a:t>
+            </a:r>
+          </a:p>
+        </p:txBody>
+      </p:sp>
+      <p:sp>
+        <p:nvSpPr>
+          <p:cNvPr id="3" name="Content Placeholder 2">
+            <a:extLst>
+              <a:ext uri="{FF2B5EF4-FFF2-40B4-BE49-F238E27FC236}">
+                <a16:creationId xmlns:a16="http://schemas.microsoft.com/office/drawing/2014/main" id="{87DC7C77-DEF8-D944-9D9C-44A60BB38122}"/>
+              </a:ext>
+            </a:extLst>
+          </p:cNvPr>
+          <p:cNvSpPr>
+            <a:spLocks noGrp="1"/>
+          </p:cNvSpPr>
+          <p:nvPr>
+            <p:ph idx="1"/>
+          </p:nvPr>
+        </p:nvSpPr>
+        <p:spPr/>
+        <p:txBody>
+          <a:bodyPr/>
+          <a:lstStyle/>
+          <a:p>
+            <a:r>
+              <a:rPr lang="en-US" dirty="0"/>
+              <a:t>- Bottom 10% of all transactions</a:t>
+            </a:r>
+          </a:p>
+          <a:p>
+            <a:endParaRPr lang="en-SG" dirty="0"/>
+          </a:p>
+          <a:p>
+            <a:endParaRPr lang="en-US" dirty="0"/>
+          </a:p>
+        </p:txBody>
+      </p:sp>
+      <p:sp>
+        <p:nvSpPr>
+          <p:cNvPr id="6" name="Frame 5">
+            <a:extLst>
+              <a:ext uri="{FF2B5EF4-FFF2-40B4-BE49-F238E27FC236}">
+                <a16:creationId xmlns:a16="http://schemas.microsoft.com/office/drawing/2014/main" id="{25AEBA3C-C0FF-A84C-84C2-F5B9C1FCB4FA}"/>
+              </a:ext>
+            </a:extLst>
+          </p:cNvPr>
+          <p:cNvSpPr/>
+          <p:nvPr/>
+        </p:nvSpPr>
+        <p:spPr>
+          <a:xfrm>
+            <a:off x="2115292" y="2897878"/>
+            <a:ext cx="1807413" cy="3878317"/>
+          </a:xfrm>
+          <a:prstGeom prst="frame">
+            <a:avLst>
+              <a:gd name="adj1" fmla="val 3728"/>
+            </a:avLst>
+          </a:prstGeom>
+          <a:solidFill>
+            <a:srgbClr val="00B0F0"/>
+          </a:solidFill>
+        </p:spPr>
+        <p:style>
+          <a:lnRef idx="2">
+            <a:schemeClr val="accent1">
+              <a:shade val="50000"/>
+            </a:schemeClr>
+          </a:lnRef>
+          <a:fillRef idx="1">
+            <a:schemeClr val="accent1"/>
+          </a:fillRef>
+          <a:effectRef idx="0">
+            <a:schemeClr val="accent1"/>
+          </a:effectRef>
+          <a:fontRef idx="minor">
+            <a:schemeClr val="lt1"/>
+          </a:fontRef>
+        </p:style>
+        <p:txBody>
+          <a:bodyPr rtlCol="0" anchor="ctr"/>
+          <a:lstStyle/>
+          <a:p>
+            <a:pPr algn="ctr"/>
+            <a:endParaRPr lang="en-US">
+              <a:solidFill>
+                <a:schemeClr val="tx1"/>
+              </a:solidFill>
+            </a:endParaRPr>
+          </a:p>
+        </p:txBody>
+      </p:sp>
+    </p:spTree>
+    <p:extLst>
+      <p:ext uri="{BB962C8B-B14F-4D97-AF65-F5344CB8AC3E}">
+        <p14:creationId xmlns:p14="http://schemas.microsoft.com/office/powerpoint/2010/main" val="2691111117"/>
+      </p:ext>
+    </p:extLst>
+  </p:cSld>
+  <p:clrMapOvr>
+    <a:masterClrMapping/>
+  </p:clrMapOvr>
+  <p:timing>
+    <p:tnLst>
+      <p:par>
+        <p:cTn id="1" dur="indefinite" restart="never" nodeType="tmRoot">
+          <p:childTnLst>
+            <p:seq concurrent="1" nextAc="seek">
+              <p:cTn id="2" dur="indefinite" nodeType="mainSeq">
+                <p:childTnLst>
+                  <p:par>
+                    <p:cTn id="3" fill="hold">
+                      <p:stCondLst>
+                        <p:cond delay="indefinite"/>
+                      </p:stCondLst>
+                      <p:childTnLst>
+                        <p:par>
+                          <p:cTn id="4" fill="hold">
+                            <p:stCondLst>
+                              <p:cond delay="0"/>
+                            </p:stCondLst>
+                            <p:childTnLst>
+                              <p:par>
+                                <p:cTn id="5" presetID="1" presetClass="entr" presetSubtype="0" fill="hold" grpId="0" nodeType="clickEffect">
+                                  <p:stCondLst>
+                                    <p:cond delay="0"/>
+                                  </p:stCondLst>
+                                  <p:childTnLst>
+                                    <p:set>
+                                      <p:cBhvr>
+                                        <p:cTn id="6" dur="1" fill="hold">
+                                          <p:stCondLst>
+                                            <p:cond delay="0"/>
+                                          </p:stCondLst>
+                                        </p:cTn>
+                                        <p:tgtEl>
+                                          <p:spTgt spid="6"/>
+                                        </p:tgtEl>
+                                        <p:attrNameLst>
+                                          <p:attrName>style.visibility</p:attrName>
+                                        </p:attrNameLst>
+                                      </p:cBhvr>
+                                      <p:to>
+                                        <p:strVal val="visible"/>
+                                      </p:to>
+                                    </p:set>
+                                  </p:childTnLst>
+                                </p:cTn>
+                              </p:par>
+                            </p:childTnLst>
+                          </p:cTn>
+                        </p:par>
+                      </p:childTnLst>
+                    </p:cTn>
+                  </p:par>
+                </p:childTnLst>
+              </p:cTn>
+              <p:prevCondLst>
+                <p:cond evt="onPrev" delay="0">
+                  <p:tgtEl>
+                    <p:sldTgt/>
+                  </p:tgtEl>
+                </p:cond>
+              </p:prevCondLst>
+              <p:nextCondLst>
+                <p:cond evt="onNext" delay="0">
+                  <p:tgtEl>
+                    <p:sldTgt/>
+                  </p:tgtEl>
+                </p:cond>
+              </p:nextCondLst>
+            </p:seq>
+          </p:childTnLst>
+        </p:cTn>
+      </p:par>
+    </p:tnLst>
+    <p:bldLst>
+      <p:bldP spid="6" grpId="0" animBg="1"/>
+    </p:bldLst>
+  </p:timing>
+</p:sld>
+</file>
+
+<file path=ppt/slides/slide13.xml><?xml version="1.0" encoding="utf-8"?>
+<p:sld xmlns:a="http://schemas.openxmlformats.org/drawingml/2006/main" xmlns:r="http://schemas.openxmlformats.org/officeDocument/2006/relationships" xmlns:p="http://schemas.openxmlformats.org/presentationml/2006/main">
+  <p:cSld>
+    <p:spTree>
+      <p:nvGrpSpPr>
+        <p:cNvPr id="1" name=""/>
+        <p:cNvGrpSpPr/>
+        <p:nvPr/>
+      </p:nvGrpSpPr>
+      <p:grpSpPr>
+        <a:xfrm>
+          <a:off x="0" y="0"/>
+          <a:ext cx="0" cy="0"/>
+          <a:chOff x="0" y="0"/>
+          <a:chExt cx="0" cy="0"/>
+        </a:xfrm>
+      </p:grpSpPr>
       <p:sp>
         <p:nvSpPr>
           <p:cNvPr id="2" name="Title 1">
@@ -9132,7 +9912,7 @@
 </p:sld>
 </file>
 
-<file path=ppt/slides/slide11.xml><?xml version="1.0" encoding="utf-8"?>
+<file path=ppt/slides/slide14.xml><?xml version="1.0" encoding="utf-8"?>
 <p:sld xmlns:a="http://schemas.openxmlformats.org/drawingml/2006/main" xmlns:r="http://schemas.openxmlformats.org/officeDocument/2006/relationships" xmlns:p="http://schemas.openxmlformats.org/presentationml/2006/main">
   <p:cSld>
     <p:spTree>
@@ -9192,7 +9972,7 @@
 </p:sld>
 </file>
 
-<file path=ppt/slides/slide12.xml><?xml version="1.0" encoding="utf-8"?>
+<file path=ppt/slides/slide15.xml><?xml version="1.0" encoding="utf-8"?>
 <p:sld xmlns:a="http://schemas.openxmlformats.org/drawingml/2006/main" xmlns:r="http://schemas.openxmlformats.org/officeDocument/2006/relationships" xmlns:p="http://schemas.openxmlformats.org/presentationml/2006/main">
   <p:cSld>
     <p:spTree>
@@ -9306,7 +10086,7 @@
 </p:sld>
 </file>
 
-<file path=ppt/slides/slide13.xml><?xml version="1.0" encoding="utf-8"?>
+<file path=ppt/slides/slide16.xml><?xml version="1.0" encoding="utf-8"?>
 <p:sld xmlns:a="http://schemas.openxmlformats.org/drawingml/2006/main" xmlns:r="http://schemas.openxmlformats.org/officeDocument/2006/relationships" xmlns:p="http://schemas.openxmlformats.org/presentationml/2006/main">
   <p:cSld>
     <p:spTree>
@@ -10990,7 +11770,7 @@
 </p:sld>
 </file>
 
-<file path=ppt/slides/slide14.xml><?xml version="1.0" encoding="utf-8"?>
+<file path=ppt/slides/slide17.xml><?xml version="1.0" encoding="utf-8"?>
 <p:sld xmlns:a="http://schemas.openxmlformats.org/drawingml/2006/main" xmlns:r="http://schemas.openxmlformats.org/officeDocument/2006/relationships" xmlns:p="http://schemas.openxmlformats.org/presentationml/2006/main">
   <p:cSld>
     <p:spTree>
@@ -11050,7 +11830,7 @@
 </p:sld>
 </file>
 
-<file path=ppt/slides/slide15.xml><?xml version="1.0" encoding="utf-8"?>
+<file path=ppt/slides/slide18.xml><?xml version="1.0" encoding="utf-8"?>
 <p:sld xmlns:a="http://schemas.openxmlformats.org/drawingml/2006/main" xmlns:r="http://schemas.openxmlformats.org/officeDocument/2006/relationships" xmlns:p="http://schemas.openxmlformats.org/presentationml/2006/main">
   <p:cSld>
     <p:spTree>
@@ -11387,7 +12167,7 @@
 </p:sld>
 </file>
 
-<file path=ppt/slides/slide16.xml><?xml version="1.0" encoding="utf-8"?>
+<file path=ppt/slides/slide19.xml><?xml version="1.0" encoding="utf-8"?>
 <p:sld xmlns:a="http://schemas.openxmlformats.org/drawingml/2006/main" xmlns:r="http://schemas.openxmlformats.org/officeDocument/2006/relationships" xmlns:p="http://schemas.openxmlformats.org/presentationml/2006/main">
   <p:cSld>
     <p:spTree>
@@ -11447,7 +12227,134 @@
 </p:sld>
 </file>
 
-<file path=ppt/slides/slide17.xml><?xml version="1.0" encoding="utf-8"?>
+<file path=ppt/slides/slide2.xml><?xml version="1.0" encoding="utf-8"?>
+<p:sld xmlns:a="http://schemas.openxmlformats.org/drawingml/2006/main" xmlns:r="http://schemas.openxmlformats.org/officeDocument/2006/relationships" xmlns:p="http://schemas.openxmlformats.org/presentationml/2006/main">
+  <p:cSld>
+    <p:spTree>
+      <p:nvGrpSpPr>
+        <p:cNvPr id="1" name=""/>
+        <p:cNvGrpSpPr/>
+        <p:nvPr/>
+      </p:nvGrpSpPr>
+      <p:grpSpPr>
+        <a:xfrm>
+          <a:off x="0" y="0"/>
+          <a:ext cx="0" cy="0"/>
+          <a:chOff x="0" y="0"/>
+          <a:chExt cx="0" cy="0"/>
+        </a:xfrm>
+      </p:grpSpPr>
+      <p:sp>
+        <p:nvSpPr>
+          <p:cNvPr id="2" name="Title 1">
+            <a:extLst>
+              <a:ext uri="{FF2B5EF4-FFF2-40B4-BE49-F238E27FC236}">
+                <a16:creationId xmlns:a16="http://schemas.microsoft.com/office/drawing/2014/main" id="{E681B354-CECE-554B-9572-BD506106887F}"/>
+              </a:ext>
+            </a:extLst>
+          </p:cNvPr>
+          <p:cNvSpPr>
+            <a:spLocks noGrp="1"/>
+          </p:cNvSpPr>
+          <p:nvPr>
+            <p:ph type="title"/>
+          </p:nvPr>
+        </p:nvSpPr>
+        <p:spPr/>
+        <p:txBody>
+          <a:bodyPr/>
+          <a:lstStyle/>
+          <a:p>
+            <a:r>
+              <a:rPr lang="en-US" dirty="0"/>
+              <a:t>Table of Content</a:t>
+            </a:r>
+          </a:p>
+        </p:txBody>
+      </p:sp>
+      <p:sp>
+        <p:nvSpPr>
+          <p:cNvPr id="3" name="Content Placeholder 2">
+            <a:extLst>
+              <a:ext uri="{FF2B5EF4-FFF2-40B4-BE49-F238E27FC236}">
+                <a16:creationId xmlns:a16="http://schemas.microsoft.com/office/drawing/2014/main" id="{C1446440-831C-4C4C-84E9-ABBDA3C87654}"/>
+              </a:ext>
+            </a:extLst>
+          </p:cNvPr>
+          <p:cNvSpPr>
+            <a:spLocks noGrp="1"/>
+          </p:cNvSpPr>
+          <p:nvPr>
+            <p:ph idx="1"/>
+          </p:nvPr>
+        </p:nvSpPr>
+        <p:spPr/>
+        <p:txBody>
+          <a:bodyPr>
+            <a:normAutofit/>
+          </a:bodyPr>
+          <a:lstStyle/>
+          <a:p>
+            <a:pPr marL="457200" indent="-457200">
+              <a:buAutoNum type="arabicParenR"/>
+            </a:pPr>
+            <a:r>
+              <a:rPr lang="en-SG" sz="2400" dirty="0"/>
+              <a:t>Project Objective</a:t>
+            </a:r>
+          </a:p>
+          <a:p>
+            <a:pPr marL="457200" indent="-457200">
+              <a:buAutoNum type="arabicParenR"/>
+            </a:pPr>
+            <a:r>
+              <a:rPr lang="en-SG" sz="2400" dirty="0"/>
+              <a:t>Data Cleaning and Key terms</a:t>
+            </a:r>
+          </a:p>
+          <a:p>
+            <a:pPr marL="457200" indent="-457200">
+              <a:buAutoNum type="arabicParenR"/>
+            </a:pPr>
+            <a:r>
+              <a:rPr lang="en-SG" sz="2400" dirty="0"/>
+              <a:t>Questions</a:t>
+            </a:r>
+          </a:p>
+          <a:p>
+            <a:pPr marL="457200" indent="-457200">
+              <a:buAutoNum type="arabicParenR"/>
+            </a:pPr>
+            <a:r>
+              <a:rPr lang="en-SG" sz="2400" dirty="0"/>
+              <a:t>Conclusion</a:t>
+            </a:r>
+          </a:p>
+          <a:p>
+            <a:pPr marL="457200" indent="-457200">
+              <a:buAutoNum type="arabicParenR"/>
+            </a:pPr>
+            <a:r>
+              <a:rPr lang="en-SG" sz="2400" dirty="0"/>
+              <a:t>Limitations</a:t>
+            </a:r>
+          </a:p>
+        </p:txBody>
+      </p:sp>
+    </p:spTree>
+    <p:extLst>
+      <p:ext uri="{BB962C8B-B14F-4D97-AF65-F5344CB8AC3E}">
+        <p14:creationId xmlns:p14="http://schemas.microsoft.com/office/powerpoint/2010/main" val="1174926565"/>
+      </p:ext>
+    </p:extLst>
+  </p:cSld>
+  <p:clrMapOvr>
+    <a:masterClrMapping/>
+  </p:clrMapOvr>
+</p:sld>
+</file>
+
+<file path=ppt/slides/slide20.xml><?xml version="1.0" encoding="utf-8"?>
 <p:sld xmlns:a="http://schemas.openxmlformats.org/drawingml/2006/main" xmlns:r="http://schemas.openxmlformats.org/officeDocument/2006/relationships" xmlns:p="http://schemas.openxmlformats.org/presentationml/2006/main">
   <p:cSld>
     <p:spTree>
@@ -11682,7 +12589,7 @@
 </p:sld>
 </file>
 
-<file path=ppt/slides/slide18.xml><?xml version="1.0" encoding="utf-8"?>
+<file path=ppt/slides/slide21.xml><?xml version="1.0" encoding="utf-8"?>
 <p:sld xmlns:a="http://schemas.openxmlformats.org/drawingml/2006/main" xmlns:r="http://schemas.openxmlformats.org/officeDocument/2006/relationships" xmlns:p="http://schemas.openxmlformats.org/presentationml/2006/main">
   <p:cSld>
     <p:spTree>
@@ -11916,7 +12823,7 @@
 </p:sld>
 </file>
 
-<file path=ppt/slides/slide19.xml><?xml version="1.0" encoding="utf-8"?>
+<file path=ppt/slides/slide22.xml><?xml version="1.0" encoding="utf-8"?>
 <p:sld xmlns:a="http://schemas.openxmlformats.org/drawingml/2006/main" xmlns:r="http://schemas.openxmlformats.org/officeDocument/2006/relationships" xmlns:p="http://schemas.openxmlformats.org/presentationml/2006/main">
   <p:cSld>
     <p:spTree>
@@ -12268,134 +13175,7 @@
 </p:sld>
 </file>
 
-<file path=ppt/slides/slide2.xml><?xml version="1.0" encoding="utf-8"?>
-<p:sld xmlns:a="http://schemas.openxmlformats.org/drawingml/2006/main" xmlns:r="http://schemas.openxmlformats.org/officeDocument/2006/relationships" xmlns:p="http://schemas.openxmlformats.org/presentationml/2006/main">
-  <p:cSld>
-    <p:spTree>
-      <p:nvGrpSpPr>
-        <p:cNvPr id="1" name=""/>
-        <p:cNvGrpSpPr/>
-        <p:nvPr/>
-      </p:nvGrpSpPr>
-      <p:grpSpPr>
-        <a:xfrm>
-          <a:off x="0" y="0"/>
-          <a:ext cx="0" cy="0"/>
-          <a:chOff x="0" y="0"/>
-          <a:chExt cx="0" cy="0"/>
-        </a:xfrm>
-      </p:grpSpPr>
-      <p:sp>
-        <p:nvSpPr>
-          <p:cNvPr id="2" name="Title 1">
-            <a:extLst>
-              <a:ext uri="{FF2B5EF4-FFF2-40B4-BE49-F238E27FC236}">
-                <a16:creationId xmlns:a16="http://schemas.microsoft.com/office/drawing/2014/main" id="{E681B354-CECE-554B-9572-BD506106887F}"/>
-              </a:ext>
-            </a:extLst>
-          </p:cNvPr>
-          <p:cNvSpPr>
-            <a:spLocks noGrp="1"/>
-          </p:cNvSpPr>
-          <p:nvPr>
-            <p:ph type="title"/>
-          </p:nvPr>
-        </p:nvSpPr>
-        <p:spPr/>
-        <p:txBody>
-          <a:bodyPr/>
-          <a:lstStyle/>
-          <a:p>
-            <a:r>
-              <a:rPr lang="en-US" dirty="0"/>
-              <a:t>Table of Content</a:t>
-            </a:r>
-          </a:p>
-        </p:txBody>
-      </p:sp>
-      <p:sp>
-        <p:nvSpPr>
-          <p:cNvPr id="3" name="Content Placeholder 2">
-            <a:extLst>
-              <a:ext uri="{FF2B5EF4-FFF2-40B4-BE49-F238E27FC236}">
-                <a16:creationId xmlns:a16="http://schemas.microsoft.com/office/drawing/2014/main" id="{C1446440-831C-4C4C-84E9-ABBDA3C87654}"/>
-              </a:ext>
-            </a:extLst>
-          </p:cNvPr>
-          <p:cNvSpPr>
-            <a:spLocks noGrp="1"/>
-          </p:cNvSpPr>
-          <p:nvPr>
-            <p:ph idx="1"/>
-          </p:nvPr>
-        </p:nvSpPr>
-        <p:spPr/>
-        <p:txBody>
-          <a:bodyPr>
-            <a:normAutofit/>
-          </a:bodyPr>
-          <a:lstStyle/>
-          <a:p>
-            <a:pPr marL="457200" indent="-457200">
-              <a:buAutoNum type="arabicParenR"/>
-            </a:pPr>
-            <a:r>
-              <a:rPr lang="en-SG" sz="2400" dirty="0"/>
-              <a:t>Project Objective</a:t>
-            </a:r>
-          </a:p>
-          <a:p>
-            <a:pPr marL="457200" indent="-457200">
-              <a:buAutoNum type="arabicParenR"/>
-            </a:pPr>
-            <a:r>
-              <a:rPr lang="en-SG" sz="2400" dirty="0"/>
-              <a:t>Key terms</a:t>
-            </a:r>
-          </a:p>
-          <a:p>
-            <a:pPr marL="457200" indent="-457200">
-              <a:buAutoNum type="arabicParenR"/>
-            </a:pPr>
-            <a:r>
-              <a:rPr lang="en-SG" sz="2400" dirty="0"/>
-              <a:t>Questions</a:t>
-            </a:r>
-          </a:p>
-          <a:p>
-            <a:pPr marL="457200" indent="-457200">
-              <a:buAutoNum type="arabicParenR"/>
-            </a:pPr>
-            <a:r>
-              <a:rPr lang="en-SG" sz="2400" dirty="0"/>
-              <a:t>Conclusion</a:t>
-            </a:r>
-          </a:p>
-          <a:p>
-            <a:pPr marL="457200" indent="-457200">
-              <a:buAutoNum type="arabicParenR"/>
-            </a:pPr>
-            <a:r>
-              <a:rPr lang="en-SG" sz="2400" dirty="0"/>
-              <a:t>Limitations</a:t>
-            </a:r>
-          </a:p>
-        </p:txBody>
-      </p:sp>
-    </p:spTree>
-    <p:extLst>
-      <p:ext uri="{BB962C8B-B14F-4D97-AF65-F5344CB8AC3E}">
-        <p14:creationId xmlns:p14="http://schemas.microsoft.com/office/powerpoint/2010/main" val="1174926565"/>
-      </p:ext>
-    </p:extLst>
-  </p:cSld>
-  <p:clrMapOvr>
-    <a:masterClrMapping/>
-  </p:clrMapOvr>
-</p:sld>
-</file>
-
-<file path=ppt/slides/slide20.xml><?xml version="1.0" encoding="utf-8"?>
+<file path=ppt/slides/slide23.xml><?xml version="1.0" encoding="utf-8"?>
 <p:sld xmlns:a="http://schemas.openxmlformats.org/drawingml/2006/main" xmlns:r="http://schemas.openxmlformats.org/officeDocument/2006/relationships" xmlns:p="http://schemas.openxmlformats.org/presentationml/2006/main">
   <p:cSld>
     <p:spTree>
@@ -12485,7 +13265,7 @@
 </p:sld>
 </file>
 
-<file path=ppt/slides/slide21.xml><?xml version="1.0" encoding="utf-8"?>
+<file path=ppt/slides/slide24.xml><?xml version="1.0" encoding="utf-8"?>
 <p:sld xmlns:a="http://schemas.openxmlformats.org/drawingml/2006/main" xmlns:r="http://schemas.openxmlformats.org/officeDocument/2006/relationships" xmlns:p="http://schemas.openxmlformats.org/presentationml/2006/main">
   <p:cSld>
     <p:spTree>
@@ -12872,7 +13652,7 @@
 </p:sld>
 </file>
 
-<file path=ppt/slides/slide22.xml><?xml version="1.0" encoding="utf-8"?>
+<file path=ppt/slides/slide25.xml><?xml version="1.0" encoding="utf-8"?>
 <p:sld xmlns:a="http://schemas.openxmlformats.org/drawingml/2006/main" xmlns:r="http://schemas.openxmlformats.org/officeDocument/2006/relationships" xmlns:p="http://schemas.openxmlformats.org/presentationml/2006/main">
   <p:cSld>
     <p:spTree>
@@ -13534,7 +14314,7 @@
 </p:sld>
 </file>
 
-<file path=ppt/slides/slide23.xml><?xml version="1.0" encoding="utf-8"?>
+<file path=ppt/slides/slide26.xml><?xml version="1.0" encoding="utf-8"?>
 <p:sld xmlns:a="http://schemas.openxmlformats.org/drawingml/2006/main" xmlns:r="http://schemas.openxmlformats.org/officeDocument/2006/relationships" xmlns:p="http://schemas.openxmlformats.org/presentationml/2006/main">
   <p:cSld>
     <p:spTree>
@@ -14196,7 +14976,7 @@
 </p:sld>
 </file>
 
-<file path=ppt/slides/slide24.xml><?xml version="1.0" encoding="utf-8"?>
+<file path=ppt/slides/slide27.xml><?xml version="1.0" encoding="utf-8"?>
 <p:sld xmlns:a="http://schemas.openxmlformats.org/drawingml/2006/main" xmlns:r="http://schemas.openxmlformats.org/officeDocument/2006/relationships" xmlns:p="http://schemas.openxmlformats.org/presentationml/2006/main">
   <p:cSld>
     <p:spTree>
@@ -14294,7 +15074,7 @@
 </p:sld>
 </file>
 
-<file path=ppt/slides/slide25.xml><?xml version="1.0" encoding="utf-8"?>
+<file path=ppt/slides/slide28.xml><?xml version="1.0" encoding="utf-8"?>
 <p:sld xmlns:a="http://schemas.openxmlformats.org/drawingml/2006/main" xmlns:r="http://schemas.openxmlformats.org/officeDocument/2006/relationships" xmlns:p="http://schemas.openxmlformats.org/presentationml/2006/main">
   <p:cSld>
     <p:spTree>
@@ -14511,7 +15291,7 @@
 </p:sld>
 </file>
 
-<file path=ppt/slides/slide26.xml><?xml version="1.0" encoding="utf-8"?>
+<file path=ppt/slides/slide29.xml><?xml version="1.0" encoding="utf-8"?>
 <p:sld xmlns:a="http://schemas.openxmlformats.org/drawingml/2006/main" xmlns:r="http://schemas.openxmlformats.org/officeDocument/2006/relationships" xmlns:p="http://schemas.openxmlformats.org/presentationml/2006/main">
   <p:cSld>
     <p:spTree>
@@ -15289,7 +16069,97 @@
 </p:sld>
 </file>
 
-<file path=ppt/slides/slide27.xml><?xml version="1.0" encoding="utf-8"?>
+<file path=ppt/slides/slide3.xml><?xml version="1.0" encoding="utf-8"?>
+<p:sld xmlns:a="http://schemas.openxmlformats.org/drawingml/2006/main" xmlns:r="http://schemas.openxmlformats.org/officeDocument/2006/relationships" xmlns:p="http://schemas.openxmlformats.org/presentationml/2006/main">
+  <p:cSld>
+    <p:spTree>
+      <p:nvGrpSpPr>
+        <p:cNvPr id="1" name=""/>
+        <p:cNvGrpSpPr/>
+        <p:nvPr/>
+      </p:nvGrpSpPr>
+      <p:grpSpPr>
+        <a:xfrm>
+          <a:off x="0" y="0"/>
+          <a:ext cx="0" cy="0"/>
+          <a:chOff x="0" y="0"/>
+          <a:chExt cx="0" cy="0"/>
+        </a:xfrm>
+      </p:grpSpPr>
+      <p:sp>
+        <p:nvSpPr>
+          <p:cNvPr id="2" name="Title 1">
+            <a:extLst>
+              <a:ext uri="{FF2B5EF4-FFF2-40B4-BE49-F238E27FC236}">
+                <a16:creationId xmlns:a16="http://schemas.microsoft.com/office/drawing/2014/main" id="{E681B354-CECE-554B-9572-BD506106887F}"/>
+              </a:ext>
+            </a:extLst>
+          </p:cNvPr>
+          <p:cNvSpPr>
+            <a:spLocks noGrp="1"/>
+          </p:cNvSpPr>
+          <p:nvPr>
+            <p:ph type="title"/>
+          </p:nvPr>
+        </p:nvSpPr>
+        <p:spPr/>
+        <p:txBody>
+          <a:bodyPr/>
+          <a:lstStyle/>
+          <a:p>
+            <a:r>
+              <a:rPr lang="en-US" dirty="0"/>
+              <a:t>1. Project Objective</a:t>
+            </a:r>
+          </a:p>
+        </p:txBody>
+      </p:sp>
+      <p:sp>
+        <p:nvSpPr>
+          <p:cNvPr id="3" name="Content Placeholder 2">
+            <a:extLst>
+              <a:ext uri="{FF2B5EF4-FFF2-40B4-BE49-F238E27FC236}">
+                <a16:creationId xmlns:a16="http://schemas.microsoft.com/office/drawing/2014/main" id="{C1446440-831C-4C4C-84E9-ABBDA3C87654}"/>
+              </a:ext>
+            </a:extLst>
+          </p:cNvPr>
+          <p:cNvSpPr>
+            <a:spLocks noGrp="1"/>
+          </p:cNvSpPr>
+          <p:nvPr>
+            <p:ph idx="1"/>
+          </p:nvPr>
+        </p:nvSpPr>
+        <p:spPr/>
+        <p:txBody>
+          <a:bodyPr>
+            <a:normAutofit/>
+          </a:bodyPr>
+          <a:lstStyle/>
+          <a:p>
+            <a:pPr algn="ctr"/>
+            <a:r>
+              <a:rPr lang="en-US" sz="2400" dirty="0"/>
+              <a:t>To determine and predict which type of resale HDB and area gives you the best rental yield. </a:t>
+            </a:r>
+            <a:endParaRPr lang="en-SG" sz="2400" dirty="0"/>
+          </a:p>
+        </p:txBody>
+      </p:sp>
+    </p:spTree>
+    <p:extLst>
+      <p:ext uri="{BB962C8B-B14F-4D97-AF65-F5344CB8AC3E}">
+        <p14:creationId xmlns:p14="http://schemas.microsoft.com/office/powerpoint/2010/main" val="3323733490"/>
+      </p:ext>
+    </p:extLst>
+  </p:cSld>
+  <p:clrMapOvr>
+    <a:masterClrMapping/>
+  </p:clrMapOvr>
+</p:sld>
+</file>
+
+<file path=ppt/slides/slide30.xml><?xml version="1.0" encoding="utf-8"?>
 <p:sld xmlns:a="http://schemas.openxmlformats.org/drawingml/2006/main" xmlns:r="http://schemas.openxmlformats.org/officeDocument/2006/relationships" xmlns:p="http://schemas.openxmlformats.org/presentationml/2006/main">
   <p:cSld>
     <p:spTree>
@@ -16239,7 +17109,7 @@
 </p:sld>
 </file>
 
-<file path=ppt/slides/slide28.xml><?xml version="1.0" encoding="utf-8"?>
+<file path=ppt/slides/slide31.xml><?xml version="1.0" encoding="utf-8"?>
 <p:sld xmlns:a="http://schemas.openxmlformats.org/drawingml/2006/main" xmlns:r="http://schemas.openxmlformats.org/officeDocument/2006/relationships" xmlns:p="http://schemas.openxmlformats.org/presentationml/2006/main">
   <p:cSld>
     <p:spTree>
@@ -16646,7 +17516,7 @@
 </p:sld>
 </file>
 
-<file path=ppt/slides/slide29.xml><?xml version="1.0" encoding="utf-8"?>
+<file path=ppt/slides/slide32.xml><?xml version="1.0" encoding="utf-8"?>
 <p:sld xmlns:a="http://schemas.openxmlformats.org/drawingml/2006/main" xmlns:r="http://schemas.openxmlformats.org/officeDocument/2006/relationships" xmlns:p="http://schemas.openxmlformats.org/presentationml/2006/main">
   <p:cSld>
     <p:spTree>
@@ -16952,97 +17822,7 @@
 </p:sld>
 </file>
 
-<file path=ppt/slides/slide3.xml><?xml version="1.0" encoding="utf-8"?>
-<p:sld xmlns:a="http://schemas.openxmlformats.org/drawingml/2006/main" xmlns:r="http://schemas.openxmlformats.org/officeDocument/2006/relationships" xmlns:p="http://schemas.openxmlformats.org/presentationml/2006/main">
-  <p:cSld>
-    <p:spTree>
-      <p:nvGrpSpPr>
-        <p:cNvPr id="1" name=""/>
-        <p:cNvGrpSpPr/>
-        <p:nvPr/>
-      </p:nvGrpSpPr>
-      <p:grpSpPr>
-        <a:xfrm>
-          <a:off x="0" y="0"/>
-          <a:ext cx="0" cy="0"/>
-          <a:chOff x="0" y="0"/>
-          <a:chExt cx="0" cy="0"/>
-        </a:xfrm>
-      </p:grpSpPr>
-      <p:sp>
-        <p:nvSpPr>
-          <p:cNvPr id="2" name="Title 1">
-            <a:extLst>
-              <a:ext uri="{FF2B5EF4-FFF2-40B4-BE49-F238E27FC236}">
-                <a16:creationId xmlns:a16="http://schemas.microsoft.com/office/drawing/2014/main" id="{E681B354-CECE-554B-9572-BD506106887F}"/>
-              </a:ext>
-            </a:extLst>
-          </p:cNvPr>
-          <p:cNvSpPr>
-            <a:spLocks noGrp="1"/>
-          </p:cNvSpPr>
-          <p:nvPr>
-            <p:ph type="title"/>
-          </p:nvPr>
-        </p:nvSpPr>
-        <p:spPr/>
-        <p:txBody>
-          <a:bodyPr/>
-          <a:lstStyle/>
-          <a:p>
-            <a:r>
-              <a:rPr lang="en-US" dirty="0"/>
-              <a:t>1. Project Objective</a:t>
-            </a:r>
-          </a:p>
-        </p:txBody>
-      </p:sp>
-      <p:sp>
-        <p:nvSpPr>
-          <p:cNvPr id="3" name="Content Placeholder 2">
-            <a:extLst>
-              <a:ext uri="{FF2B5EF4-FFF2-40B4-BE49-F238E27FC236}">
-                <a16:creationId xmlns:a16="http://schemas.microsoft.com/office/drawing/2014/main" id="{C1446440-831C-4C4C-84E9-ABBDA3C87654}"/>
-              </a:ext>
-            </a:extLst>
-          </p:cNvPr>
-          <p:cNvSpPr>
-            <a:spLocks noGrp="1"/>
-          </p:cNvSpPr>
-          <p:nvPr>
-            <p:ph idx="1"/>
-          </p:nvPr>
-        </p:nvSpPr>
-        <p:spPr/>
-        <p:txBody>
-          <a:bodyPr>
-            <a:normAutofit/>
-          </a:bodyPr>
-          <a:lstStyle/>
-          <a:p>
-            <a:pPr algn="ctr"/>
-            <a:r>
-              <a:rPr lang="en-US" sz="2400" dirty="0"/>
-              <a:t>To determine and predict which type of resale HDB and area gives you the best rental yield. </a:t>
-            </a:r>
-            <a:endParaRPr lang="en-SG" sz="2400" dirty="0"/>
-          </a:p>
-        </p:txBody>
-      </p:sp>
-    </p:spTree>
-    <p:extLst>
-      <p:ext uri="{BB962C8B-B14F-4D97-AF65-F5344CB8AC3E}">
-        <p14:creationId xmlns:p14="http://schemas.microsoft.com/office/powerpoint/2010/main" val="3323733490"/>
-      </p:ext>
-    </p:extLst>
-  </p:cSld>
-  <p:clrMapOvr>
-    <a:masterClrMapping/>
-  </p:clrMapOvr>
-</p:sld>
-</file>
-
-<file path=ppt/slides/slide30.xml><?xml version="1.0" encoding="utf-8"?>
+<file path=ppt/slides/slide33.xml><?xml version="1.0" encoding="utf-8"?>
 <p:sld xmlns:a="http://schemas.openxmlformats.org/drawingml/2006/main" xmlns:r="http://schemas.openxmlformats.org/officeDocument/2006/relationships" xmlns:p="http://schemas.openxmlformats.org/presentationml/2006/main">
   <p:cSld>
     <p:spTree>
@@ -17337,6 +18117,764 @@
           <a:p>
             <a:r>
               <a:rPr lang="en-US" dirty="0"/>
+              <a:t>2. Data Cleaning</a:t>
+            </a:r>
+          </a:p>
+        </p:txBody>
+      </p:sp>
+      <p:sp>
+        <p:nvSpPr>
+          <p:cNvPr id="9" name="Content Placeholder 2">
+            <a:extLst>
+              <a:ext uri="{FF2B5EF4-FFF2-40B4-BE49-F238E27FC236}">
+                <a16:creationId xmlns:a16="http://schemas.microsoft.com/office/drawing/2014/main" id="{8C9749B2-C44F-3F42-B1DD-643A5B470AE9}"/>
+              </a:ext>
+            </a:extLst>
+          </p:cNvPr>
+          <p:cNvSpPr>
+            <a:spLocks noGrp="1"/>
+          </p:cNvSpPr>
+          <p:nvPr>
+            <p:ph idx="1"/>
+          </p:nvPr>
+        </p:nvSpPr>
+        <p:spPr>
+          <a:xfrm>
+            <a:off x="1920240" y="2312276"/>
+            <a:ext cx="8770571" cy="3651504"/>
+          </a:xfrm>
+        </p:spPr>
+        <p:txBody>
+          <a:bodyPr>
+            <a:normAutofit/>
+          </a:bodyPr>
+          <a:lstStyle/>
+          <a:p>
+            <a:pPr marL="457200" indent="-457200">
+              <a:buAutoNum type="arabicParenR"/>
+            </a:pPr>
+            <a:r>
+              <a:rPr lang="en-SG" sz="2400" dirty="0"/>
+              <a:t>Creation of year and quarter</a:t>
+            </a:r>
+          </a:p>
+          <a:p>
+            <a:pPr marL="457200" indent="-457200">
+              <a:buAutoNum type="arabicParenR"/>
+            </a:pPr>
+            <a:r>
+              <a:rPr lang="en-SG" sz="2400" dirty="0"/>
+              <a:t>Creation of remaining lease in months</a:t>
+            </a:r>
+          </a:p>
+          <a:p>
+            <a:pPr marL="457200" indent="-457200">
+              <a:buAutoNum type="arabicParenR"/>
+            </a:pPr>
+            <a:endParaRPr lang="en-SG" sz="2400" dirty="0"/>
+          </a:p>
+          <a:p>
+            <a:pPr marL="457200" indent="-457200">
+              <a:buAutoNum type="arabicParenR"/>
+            </a:pPr>
+            <a:endParaRPr lang="en-SG" sz="2400" dirty="0"/>
+          </a:p>
+          <a:p>
+            <a:pPr marL="457200" indent="-457200">
+              <a:buAutoNum type="arabicParenR"/>
+            </a:pPr>
+            <a:endParaRPr lang="en-SG" sz="2400" dirty="0"/>
+          </a:p>
+          <a:p>
+            <a:pPr marL="457200" indent="-457200">
+              <a:buAutoNum type="arabicParenR"/>
+            </a:pPr>
+            <a:endParaRPr lang="en-SG" sz="2400" dirty="0"/>
+          </a:p>
+          <a:p>
+            <a:pPr marL="457200" indent="-457200">
+              <a:buAutoNum type="arabicParenR"/>
+            </a:pPr>
+            <a:endParaRPr lang="en-SG" sz="2400" dirty="0"/>
+          </a:p>
+        </p:txBody>
+      </p:sp>
+      <p:pic>
+        <p:nvPicPr>
+          <p:cNvPr id="4" name="Picture 3" descr="Text&#10;&#10;Description automatically generated">
+            <a:extLst>
+              <a:ext uri="{FF2B5EF4-FFF2-40B4-BE49-F238E27FC236}">
+                <a16:creationId xmlns:a16="http://schemas.microsoft.com/office/drawing/2014/main" id="{1164E535-4868-FE40-BAD3-6E48DDADD2D9}"/>
+              </a:ext>
+            </a:extLst>
+          </p:cNvPr>
+          <p:cNvPicPr>
+            <a:picLocks noChangeAspect="1"/>
+          </p:cNvPicPr>
+          <p:nvPr/>
+        </p:nvPicPr>
+        <p:blipFill rotWithShape="1">
+          <a:blip r:embed="rId2"/>
+          <a:srcRect t="19517"/>
+          <a:stretch/>
+        </p:blipFill>
+        <p:spPr>
+          <a:xfrm>
+            <a:off x="1759608" y="3548268"/>
+            <a:ext cx="9050852" cy="3150705"/>
+          </a:xfrm>
+          <a:prstGeom prst="rect">
+            <a:avLst/>
+          </a:prstGeom>
+        </p:spPr>
+      </p:pic>
+    </p:spTree>
+    <p:extLst>
+      <p:ext uri="{BB962C8B-B14F-4D97-AF65-F5344CB8AC3E}">
+        <p14:creationId xmlns:p14="http://schemas.microsoft.com/office/powerpoint/2010/main" val="1887279247"/>
+      </p:ext>
+    </p:extLst>
+  </p:cSld>
+  <p:clrMapOvr>
+    <a:masterClrMapping/>
+  </p:clrMapOvr>
+  <p:timing>
+    <p:tnLst>
+      <p:par>
+        <p:cTn id="1" dur="indefinite" restart="never" nodeType="tmRoot">
+          <p:childTnLst>
+            <p:seq concurrent="1" nextAc="seek">
+              <p:cTn id="2" dur="indefinite" nodeType="mainSeq">
+                <p:childTnLst>
+                  <p:par>
+                    <p:cTn id="3" fill="hold">
+                      <p:stCondLst>
+                        <p:cond delay="indefinite"/>
+                      </p:stCondLst>
+                      <p:childTnLst>
+                        <p:par>
+                          <p:cTn id="4" fill="hold">
+                            <p:stCondLst>
+                              <p:cond delay="0"/>
+                            </p:stCondLst>
+                            <p:childTnLst>
+                              <p:par>
+                                <p:cTn id="5" presetID="1" presetClass="entr" presetSubtype="0" fill="hold" nodeType="clickEffect">
+                                  <p:stCondLst>
+                                    <p:cond delay="0"/>
+                                  </p:stCondLst>
+                                  <p:childTnLst>
+                                    <p:set>
+                                      <p:cBhvr>
+                                        <p:cTn id="6" dur="1" fill="hold">
+                                          <p:stCondLst>
+                                            <p:cond delay="0"/>
+                                          </p:stCondLst>
+                                        </p:cTn>
+                                        <p:tgtEl>
+                                          <p:spTgt spid="4"/>
+                                        </p:tgtEl>
+                                        <p:attrNameLst>
+                                          <p:attrName>style.visibility</p:attrName>
+                                        </p:attrNameLst>
+                                      </p:cBhvr>
+                                      <p:to>
+                                        <p:strVal val="visible"/>
+                                      </p:to>
+                                    </p:set>
+                                  </p:childTnLst>
+                                </p:cTn>
+                              </p:par>
+                            </p:childTnLst>
+                          </p:cTn>
+                        </p:par>
+                      </p:childTnLst>
+                    </p:cTn>
+                  </p:par>
+                </p:childTnLst>
+              </p:cTn>
+              <p:prevCondLst>
+                <p:cond evt="onPrev" delay="0">
+                  <p:tgtEl>
+                    <p:sldTgt/>
+                  </p:tgtEl>
+                </p:cond>
+              </p:prevCondLst>
+              <p:nextCondLst>
+                <p:cond evt="onNext" delay="0">
+                  <p:tgtEl>
+                    <p:sldTgt/>
+                  </p:tgtEl>
+                </p:cond>
+              </p:nextCondLst>
+            </p:seq>
+          </p:childTnLst>
+        </p:cTn>
+      </p:par>
+    </p:tnLst>
+  </p:timing>
+</p:sld>
+</file>
+
+<file path=ppt/slides/slide5.xml><?xml version="1.0" encoding="utf-8"?>
+<p:sld xmlns:a="http://schemas.openxmlformats.org/drawingml/2006/main" xmlns:r="http://schemas.openxmlformats.org/officeDocument/2006/relationships" xmlns:p="http://schemas.openxmlformats.org/presentationml/2006/main">
+  <p:cSld>
+    <p:spTree>
+      <p:nvGrpSpPr>
+        <p:cNvPr id="1" name=""/>
+        <p:cNvGrpSpPr/>
+        <p:nvPr/>
+      </p:nvGrpSpPr>
+      <p:grpSpPr>
+        <a:xfrm>
+          <a:off x="0" y="0"/>
+          <a:ext cx="0" cy="0"/>
+          <a:chOff x="0" y="0"/>
+          <a:chExt cx="0" cy="0"/>
+        </a:xfrm>
+      </p:grpSpPr>
+      <p:sp>
+        <p:nvSpPr>
+          <p:cNvPr id="2" name="Title 1">
+            <a:extLst>
+              <a:ext uri="{FF2B5EF4-FFF2-40B4-BE49-F238E27FC236}">
+                <a16:creationId xmlns:a16="http://schemas.microsoft.com/office/drawing/2014/main" id="{FF978FFE-36A7-3440-922B-7E4EED553C63}"/>
+              </a:ext>
+            </a:extLst>
+          </p:cNvPr>
+          <p:cNvSpPr>
+            <a:spLocks noGrp="1"/>
+          </p:cNvSpPr>
+          <p:nvPr>
+            <p:ph type="title"/>
+          </p:nvPr>
+        </p:nvSpPr>
+        <p:spPr/>
+        <p:txBody>
+          <a:bodyPr/>
+          <a:lstStyle/>
+          <a:p>
+            <a:r>
+              <a:rPr lang="en-US" dirty="0"/>
+              <a:t>2. Data Cleaning</a:t>
+            </a:r>
+          </a:p>
+        </p:txBody>
+      </p:sp>
+      <p:sp>
+        <p:nvSpPr>
+          <p:cNvPr id="9" name="Content Placeholder 2">
+            <a:extLst>
+              <a:ext uri="{FF2B5EF4-FFF2-40B4-BE49-F238E27FC236}">
+                <a16:creationId xmlns:a16="http://schemas.microsoft.com/office/drawing/2014/main" id="{8C9749B2-C44F-3F42-B1DD-643A5B470AE9}"/>
+              </a:ext>
+            </a:extLst>
+          </p:cNvPr>
+          <p:cNvSpPr>
+            <a:spLocks noGrp="1"/>
+          </p:cNvSpPr>
+          <p:nvPr>
+            <p:ph idx="1"/>
+          </p:nvPr>
+        </p:nvSpPr>
+        <p:spPr>
+          <a:xfrm>
+            <a:off x="1920240" y="2312276"/>
+            <a:ext cx="8770571" cy="3651504"/>
+          </a:xfrm>
+        </p:spPr>
+        <p:txBody>
+          <a:bodyPr>
+            <a:normAutofit/>
+          </a:bodyPr>
+          <a:lstStyle/>
+          <a:p>
+            <a:pPr marL="457200" indent="-457200">
+              <a:buFont typeface="+mj-lt"/>
+              <a:buAutoNum type="arabicParenR" startAt="3"/>
+            </a:pPr>
+            <a:r>
+              <a:rPr lang="en-SG" sz="2400" dirty="0"/>
+              <a:t>Standardise the flat type</a:t>
+            </a:r>
+          </a:p>
+          <a:p>
+            <a:pPr marL="457200" indent="-457200">
+              <a:buAutoNum type="arabicParenR" startAt="3"/>
+            </a:pPr>
+            <a:endParaRPr lang="en-SG" sz="2400" dirty="0"/>
+          </a:p>
+          <a:p>
+            <a:pPr marL="457200" indent="-457200">
+              <a:buAutoNum type="arabicParenR" startAt="3"/>
+            </a:pPr>
+            <a:endParaRPr lang="en-SG" sz="2400" dirty="0"/>
+          </a:p>
+          <a:p>
+            <a:pPr marL="457200" indent="-457200">
+              <a:buAutoNum type="arabicParenR" startAt="3"/>
+            </a:pPr>
+            <a:endParaRPr lang="en-SG" sz="2400" dirty="0"/>
+          </a:p>
+          <a:p>
+            <a:pPr marL="457200" indent="-457200">
+              <a:buAutoNum type="arabicParenR" startAt="3"/>
+            </a:pPr>
+            <a:endParaRPr lang="en-SG" sz="2400" dirty="0"/>
+          </a:p>
+          <a:p>
+            <a:pPr marL="457200" indent="-457200">
+              <a:buAutoNum type="arabicParenR" startAt="3"/>
+            </a:pPr>
+            <a:endParaRPr lang="en-SG" sz="2400" dirty="0"/>
+          </a:p>
+        </p:txBody>
+      </p:sp>
+      <p:pic>
+        <p:nvPicPr>
+          <p:cNvPr id="11" name="Picture 10" descr="Table&#10;&#10;Description automatically generated">
+            <a:extLst>
+              <a:ext uri="{FF2B5EF4-FFF2-40B4-BE49-F238E27FC236}">
+                <a16:creationId xmlns:a16="http://schemas.microsoft.com/office/drawing/2014/main" id="{891C71E6-298B-0D4C-9646-1EE2A06DD45E}"/>
+              </a:ext>
+            </a:extLst>
+          </p:cNvPr>
+          <p:cNvPicPr>
+            <a:picLocks noChangeAspect="1"/>
+          </p:cNvPicPr>
+          <p:nvPr/>
+        </p:nvPicPr>
+        <p:blipFill>
+          <a:blip r:embed="rId2"/>
+          <a:stretch>
+            <a:fillRect/>
+          </a:stretch>
+        </p:blipFill>
+        <p:spPr>
+          <a:xfrm>
+            <a:off x="196413" y="2952068"/>
+            <a:ext cx="11799173" cy="3594001"/>
+          </a:xfrm>
+          <a:prstGeom prst="rect">
+            <a:avLst/>
+          </a:prstGeom>
+        </p:spPr>
+      </p:pic>
+    </p:spTree>
+    <p:extLst>
+      <p:ext uri="{BB962C8B-B14F-4D97-AF65-F5344CB8AC3E}">
+        <p14:creationId xmlns:p14="http://schemas.microsoft.com/office/powerpoint/2010/main" val="1893236093"/>
+      </p:ext>
+    </p:extLst>
+  </p:cSld>
+  <p:clrMapOvr>
+    <a:masterClrMapping/>
+  </p:clrMapOvr>
+  <p:timing>
+    <p:tnLst>
+      <p:par>
+        <p:cTn id="1" dur="indefinite" restart="never" nodeType="tmRoot">
+          <p:childTnLst>
+            <p:seq concurrent="1" nextAc="seek">
+              <p:cTn id="2" dur="indefinite" nodeType="mainSeq">
+                <p:childTnLst>
+                  <p:par>
+                    <p:cTn id="3" fill="hold">
+                      <p:stCondLst>
+                        <p:cond delay="indefinite"/>
+                      </p:stCondLst>
+                      <p:childTnLst>
+                        <p:par>
+                          <p:cTn id="4" fill="hold">
+                            <p:stCondLst>
+                              <p:cond delay="0"/>
+                            </p:stCondLst>
+                            <p:childTnLst>
+                              <p:par>
+                                <p:cTn id="5" presetID="1" presetClass="entr" presetSubtype="0" fill="hold" nodeType="clickEffect">
+                                  <p:stCondLst>
+                                    <p:cond delay="0"/>
+                                  </p:stCondLst>
+                                  <p:childTnLst>
+                                    <p:set>
+                                      <p:cBhvr>
+                                        <p:cTn id="6" dur="1" fill="hold">
+                                          <p:stCondLst>
+                                            <p:cond delay="0"/>
+                                          </p:stCondLst>
+                                        </p:cTn>
+                                        <p:tgtEl>
+                                          <p:spTgt spid="11"/>
+                                        </p:tgtEl>
+                                        <p:attrNameLst>
+                                          <p:attrName>style.visibility</p:attrName>
+                                        </p:attrNameLst>
+                                      </p:cBhvr>
+                                      <p:to>
+                                        <p:strVal val="visible"/>
+                                      </p:to>
+                                    </p:set>
+                                  </p:childTnLst>
+                                </p:cTn>
+                              </p:par>
+                            </p:childTnLst>
+                          </p:cTn>
+                        </p:par>
+                      </p:childTnLst>
+                    </p:cTn>
+                  </p:par>
+                </p:childTnLst>
+              </p:cTn>
+              <p:prevCondLst>
+                <p:cond evt="onPrev" delay="0">
+                  <p:tgtEl>
+                    <p:sldTgt/>
+                  </p:tgtEl>
+                </p:cond>
+              </p:prevCondLst>
+              <p:nextCondLst>
+                <p:cond evt="onNext" delay="0">
+                  <p:tgtEl>
+                    <p:sldTgt/>
+                  </p:tgtEl>
+                </p:cond>
+              </p:nextCondLst>
+            </p:seq>
+          </p:childTnLst>
+        </p:cTn>
+      </p:par>
+    </p:tnLst>
+  </p:timing>
+</p:sld>
+</file>
+
+<file path=ppt/slides/slide6.xml><?xml version="1.0" encoding="utf-8"?>
+<p:sld xmlns:a="http://schemas.openxmlformats.org/drawingml/2006/main" xmlns:r="http://schemas.openxmlformats.org/officeDocument/2006/relationships" xmlns:p="http://schemas.openxmlformats.org/presentationml/2006/main">
+  <p:cSld>
+    <p:spTree>
+      <p:nvGrpSpPr>
+        <p:cNvPr id="1" name=""/>
+        <p:cNvGrpSpPr/>
+        <p:nvPr/>
+      </p:nvGrpSpPr>
+      <p:grpSpPr>
+        <a:xfrm>
+          <a:off x="0" y="0"/>
+          <a:ext cx="0" cy="0"/>
+          <a:chOff x="0" y="0"/>
+          <a:chExt cx="0" cy="0"/>
+        </a:xfrm>
+      </p:grpSpPr>
+      <p:sp>
+        <p:nvSpPr>
+          <p:cNvPr id="2" name="Title 1">
+            <a:extLst>
+              <a:ext uri="{FF2B5EF4-FFF2-40B4-BE49-F238E27FC236}">
+                <a16:creationId xmlns:a16="http://schemas.microsoft.com/office/drawing/2014/main" id="{FF978FFE-36A7-3440-922B-7E4EED553C63}"/>
+              </a:ext>
+            </a:extLst>
+          </p:cNvPr>
+          <p:cNvSpPr>
+            <a:spLocks noGrp="1"/>
+          </p:cNvSpPr>
+          <p:nvPr>
+            <p:ph type="title"/>
+          </p:nvPr>
+        </p:nvSpPr>
+        <p:spPr/>
+        <p:txBody>
+          <a:bodyPr/>
+          <a:lstStyle/>
+          <a:p>
+            <a:r>
+              <a:rPr lang="en-US" dirty="0"/>
+              <a:t>2. Data Cleaning</a:t>
+            </a:r>
+          </a:p>
+        </p:txBody>
+      </p:sp>
+      <p:sp>
+        <p:nvSpPr>
+          <p:cNvPr id="9" name="Content Placeholder 2">
+            <a:extLst>
+              <a:ext uri="{FF2B5EF4-FFF2-40B4-BE49-F238E27FC236}">
+                <a16:creationId xmlns:a16="http://schemas.microsoft.com/office/drawing/2014/main" id="{8C9749B2-C44F-3F42-B1DD-643A5B470AE9}"/>
+              </a:ext>
+            </a:extLst>
+          </p:cNvPr>
+          <p:cNvSpPr>
+            <a:spLocks noGrp="1"/>
+          </p:cNvSpPr>
+          <p:nvPr>
+            <p:ph idx="1"/>
+          </p:nvPr>
+        </p:nvSpPr>
+        <p:spPr>
+          <a:xfrm>
+            <a:off x="1920240" y="2312276"/>
+            <a:ext cx="8770571" cy="3651504"/>
+          </a:xfrm>
+        </p:spPr>
+        <p:txBody>
+          <a:bodyPr>
+            <a:normAutofit/>
+          </a:bodyPr>
+          <a:lstStyle/>
+          <a:p>
+            <a:pPr marL="457200" indent="-457200">
+              <a:buFont typeface="+mj-lt"/>
+              <a:buAutoNum type="arabicParenR" startAt="4"/>
+            </a:pPr>
+            <a:r>
+              <a:rPr lang="en-SG" sz="2400" dirty="0"/>
+              <a:t>Make median rent into number</a:t>
+            </a:r>
+          </a:p>
+          <a:p>
+            <a:pPr marL="457200" indent="-457200">
+              <a:buAutoNum type="arabicParenR" startAt="4"/>
+            </a:pPr>
+            <a:endParaRPr lang="en-SG" sz="2400" dirty="0"/>
+          </a:p>
+          <a:p>
+            <a:pPr marL="457200" indent="-457200">
+              <a:buAutoNum type="arabicParenR" startAt="4"/>
+            </a:pPr>
+            <a:endParaRPr lang="en-SG" sz="2400" dirty="0"/>
+          </a:p>
+          <a:p>
+            <a:pPr marL="457200" indent="-457200">
+              <a:buAutoNum type="arabicParenR" startAt="4"/>
+            </a:pPr>
+            <a:endParaRPr lang="en-SG" sz="2400" dirty="0"/>
+          </a:p>
+          <a:p>
+            <a:pPr marL="457200" indent="-457200">
+              <a:buAutoNum type="arabicParenR" startAt="4"/>
+            </a:pPr>
+            <a:endParaRPr lang="en-SG" sz="2400" dirty="0"/>
+          </a:p>
+          <a:p>
+            <a:pPr marL="457200" indent="-457200">
+              <a:buAutoNum type="arabicParenR" startAt="4"/>
+            </a:pPr>
+            <a:endParaRPr lang="en-SG" sz="2400" dirty="0"/>
+          </a:p>
+        </p:txBody>
+      </p:sp>
+      <p:pic>
+        <p:nvPicPr>
+          <p:cNvPr id="4" name="Picture 3" descr="Table&#10;&#10;Description automatically generated">
+            <a:extLst>
+              <a:ext uri="{FF2B5EF4-FFF2-40B4-BE49-F238E27FC236}">
+                <a16:creationId xmlns:a16="http://schemas.microsoft.com/office/drawing/2014/main" id="{C6C649D8-1026-AF4A-8F4B-8DF2DD6D95ED}"/>
+              </a:ext>
+            </a:extLst>
+          </p:cNvPr>
+          <p:cNvPicPr>
+            <a:picLocks noChangeAspect="1"/>
+          </p:cNvPicPr>
+          <p:nvPr/>
+        </p:nvPicPr>
+        <p:blipFill rotWithShape="1">
+          <a:blip r:embed="rId2"/>
+          <a:srcRect b="61082"/>
+          <a:stretch/>
+        </p:blipFill>
+        <p:spPr>
+          <a:xfrm>
+            <a:off x="1555587" y="3040029"/>
+            <a:ext cx="9499876" cy="1757332"/>
+          </a:xfrm>
+          <a:prstGeom prst="rect">
+            <a:avLst/>
+          </a:prstGeom>
+        </p:spPr>
+      </p:pic>
+      <p:pic>
+        <p:nvPicPr>
+          <p:cNvPr id="7" name="Picture 6" descr="Table&#10;&#10;Description automatically generated">
+            <a:extLst>
+              <a:ext uri="{FF2B5EF4-FFF2-40B4-BE49-F238E27FC236}">
+                <a16:creationId xmlns:a16="http://schemas.microsoft.com/office/drawing/2014/main" id="{69BF0B77-E6AE-5144-A91E-2D8A5159C873}"/>
+              </a:ext>
+            </a:extLst>
+          </p:cNvPr>
+          <p:cNvPicPr>
+            <a:picLocks noChangeAspect="1"/>
+          </p:cNvPicPr>
+          <p:nvPr/>
+        </p:nvPicPr>
+        <p:blipFill rotWithShape="1">
+          <a:blip r:embed="rId2"/>
+          <a:srcRect l="573" t="59465" r="-573" b="1617"/>
+          <a:stretch/>
+        </p:blipFill>
+        <p:spPr>
+          <a:xfrm>
+            <a:off x="1555587" y="4797361"/>
+            <a:ext cx="9499876" cy="1757332"/>
+          </a:xfrm>
+          <a:prstGeom prst="rect">
+            <a:avLst/>
+          </a:prstGeom>
+        </p:spPr>
+      </p:pic>
+    </p:spTree>
+    <p:extLst>
+      <p:ext uri="{BB962C8B-B14F-4D97-AF65-F5344CB8AC3E}">
+        <p14:creationId xmlns:p14="http://schemas.microsoft.com/office/powerpoint/2010/main" val="2279518353"/>
+      </p:ext>
+    </p:extLst>
+  </p:cSld>
+  <p:clrMapOvr>
+    <a:masterClrMapping/>
+  </p:clrMapOvr>
+  <p:timing>
+    <p:tnLst>
+      <p:par>
+        <p:cTn id="1" dur="indefinite" restart="never" nodeType="tmRoot">
+          <p:childTnLst>
+            <p:seq concurrent="1" nextAc="seek">
+              <p:cTn id="2" dur="indefinite" nodeType="mainSeq">
+                <p:childTnLst>
+                  <p:par>
+                    <p:cTn id="3" fill="hold">
+                      <p:stCondLst>
+                        <p:cond delay="indefinite"/>
+                      </p:stCondLst>
+                      <p:childTnLst>
+                        <p:par>
+                          <p:cTn id="4" fill="hold">
+                            <p:stCondLst>
+                              <p:cond delay="0"/>
+                            </p:stCondLst>
+                            <p:childTnLst>
+                              <p:par>
+                                <p:cTn id="5" presetID="1" presetClass="entr" presetSubtype="0" fill="hold" nodeType="clickEffect">
+                                  <p:stCondLst>
+                                    <p:cond delay="0"/>
+                                  </p:stCondLst>
+                                  <p:childTnLst>
+                                    <p:set>
+                                      <p:cBhvr>
+                                        <p:cTn id="6" dur="1" fill="hold">
+                                          <p:stCondLst>
+                                            <p:cond delay="0"/>
+                                          </p:stCondLst>
+                                        </p:cTn>
+                                        <p:tgtEl>
+                                          <p:spTgt spid="4"/>
+                                        </p:tgtEl>
+                                        <p:attrNameLst>
+                                          <p:attrName>style.visibility</p:attrName>
+                                        </p:attrNameLst>
+                                      </p:cBhvr>
+                                      <p:to>
+                                        <p:strVal val="visible"/>
+                                      </p:to>
+                                    </p:set>
+                                  </p:childTnLst>
+                                </p:cTn>
+                              </p:par>
+                              <p:par>
+                                <p:cTn id="7" presetID="1" presetClass="entr" presetSubtype="0" fill="hold" nodeType="withEffect">
+                                  <p:stCondLst>
+                                    <p:cond delay="0"/>
+                                  </p:stCondLst>
+                                  <p:childTnLst>
+                                    <p:set>
+                                      <p:cBhvr>
+                                        <p:cTn id="8" dur="1" fill="hold">
+                                          <p:stCondLst>
+                                            <p:cond delay="0"/>
+                                          </p:stCondLst>
+                                        </p:cTn>
+                                        <p:tgtEl>
+                                          <p:spTgt spid="7"/>
+                                        </p:tgtEl>
+                                        <p:attrNameLst>
+                                          <p:attrName>style.visibility</p:attrName>
+                                        </p:attrNameLst>
+                                      </p:cBhvr>
+                                      <p:to>
+                                        <p:strVal val="visible"/>
+                                      </p:to>
+                                    </p:set>
+                                  </p:childTnLst>
+                                </p:cTn>
+                              </p:par>
+                            </p:childTnLst>
+                          </p:cTn>
+                        </p:par>
+                      </p:childTnLst>
+                    </p:cTn>
+                  </p:par>
+                </p:childTnLst>
+              </p:cTn>
+              <p:prevCondLst>
+                <p:cond evt="onPrev" delay="0">
+                  <p:tgtEl>
+                    <p:sldTgt/>
+                  </p:tgtEl>
+                </p:cond>
+              </p:prevCondLst>
+              <p:nextCondLst>
+                <p:cond evt="onNext" delay="0">
+                  <p:tgtEl>
+                    <p:sldTgt/>
+                  </p:tgtEl>
+                </p:cond>
+              </p:nextCondLst>
+            </p:seq>
+          </p:childTnLst>
+        </p:cTn>
+      </p:par>
+    </p:tnLst>
+  </p:timing>
+</p:sld>
+</file>
+
+<file path=ppt/slides/slide7.xml><?xml version="1.0" encoding="utf-8"?>
+<p:sld xmlns:a="http://schemas.openxmlformats.org/drawingml/2006/main" xmlns:r="http://schemas.openxmlformats.org/officeDocument/2006/relationships" xmlns:p="http://schemas.openxmlformats.org/presentationml/2006/main">
+  <p:cSld>
+    <p:spTree>
+      <p:nvGrpSpPr>
+        <p:cNvPr id="1" name=""/>
+        <p:cNvGrpSpPr/>
+        <p:nvPr/>
+      </p:nvGrpSpPr>
+      <p:grpSpPr>
+        <a:xfrm>
+          <a:off x="0" y="0"/>
+          <a:ext cx="0" cy="0"/>
+          <a:chOff x="0" y="0"/>
+          <a:chExt cx="0" cy="0"/>
+        </a:xfrm>
+      </p:grpSpPr>
+      <p:sp>
+        <p:nvSpPr>
+          <p:cNvPr id="2" name="Title 1">
+            <a:extLst>
+              <a:ext uri="{FF2B5EF4-FFF2-40B4-BE49-F238E27FC236}">
+                <a16:creationId xmlns:a16="http://schemas.microsoft.com/office/drawing/2014/main" id="{FF978FFE-36A7-3440-922B-7E4EED553C63}"/>
+              </a:ext>
+            </a:extLst>
+          </p:cNvPr>
+          <p:cNvSpPr>
+            <a:spLocks noGrp="1"/>
+          </p:cNvSpPr>
+          <p:nvPr>
+            <p:ph type="title"/>
+          </p:nvPr>
+        </p:nvSpPr>
+        <p:spPr/>
+        <p:txBody>
+          <a:bodyPr/>
+          <a:lstStyle/>
+          <a:p>
+            <a:r>
+              <a:rPr lang="en-US" dirty="0"/>
               <a:t>2. Key terms</a:t>
             </a:r>
           </a:p>
@@ -17517,7 +19055,7 @@
 </p:sld>
 </file>
 
-<file path=ppt/slides/slide5.xml><?xml version="1.0" encoding="utf-8"?>
+<file path=ppt/slides/slide8.xml><?xml version="1.0" encoding="utf-8"?>
 <p:sld xmlns:a="http://schemas.openxmlformats.org/drawingml/2006/main" xmlns:r="http://schemas.openxmlformats.org/officeDocument/2006/relationships" xmlns:p="http://schemas.openxmlformats.org/presentationml/2006/main">
   <p:cSld>
     <p:spTree>
@@ -17929,7 +19467,7 @@
 </p:sld>
 </file>
 
-<file path=ppt/slides/slide6.xml><?xml version="1.0" encoding="utf-8"?>
+<file path=ppt/slides/slide9.xml><?xml version="1.0" encoding="utf-8"?>
 <p:sld xmlns:a="http://schemas.openxmlformats.org/drawingml/2006/main" xmlns:r="http://schemas.openxmlformats.org/officeDocument/2006/relationships" xmlns:p="http://schemas.openxmlformats.org/presentationml/2006/main">
   <p:cSld>
     <p:spTree>
@@ -18104,783 +19642,6 @@
     <p:extLst>
       <p:ext uri="{BB962C8B-B14F-4D97-AF65-F5344CB8AC3E}">
         <p14:creationId xmlns:p14="http://schemas.microsoft.com/office/powerpoint/2010/main" val="1626009899"/>
-      </p:ext>
-    </p:extLst>
-  </p:cSld>
-  <p:clrMapOvr>
-    <a:masterClrMapping/>
-  </p:clrMapOvr>
-  <p:timing>
-    <p:tnLst>
-      <p:par>
-        <p:cTn id="1" dur="indefinite" restart="never" nodeType="tmRoot">
-          <p:childTnLst>
-            <p:seq concurrent="1" nextAc="seek">
-              <p:cTn id="2" dur="indefinite" nodeType="mainSeq">
-                <p:childTnLst>
-                  <p:par>
-                    <p:cTn id="3" fill="hold">
-                      <p:stCondLst>
-                        <p:cond delay="indefinite"/>
-                      </p:stCondLst>
-                      <p:childTnLst>
-                        <p:par>
-                          <p:cTn id="4" fill="hold">
-                            <p:stCondLst>
-                              <p:cond delay="0"/>
-                            </p:stCondLst>
-                            <p:childTnLst>
-                              <p:par>
-                                <p:cTn id="5" presetID="1" presetClass="entr" presetSubtype="0" fill="hold" grpId="0" nodeType="clickEffect">
-                                  <p:stCondLst>
-                                    <p:cond delay="0"/>
-                                  </p:stCondLst>
-                                  <p:childTnLst>
-                                    <p:set>
-                                      <p:cBhvr>
-                                        <p:cTn id="6" dur="1" fill="hold">
-                                          <p:stCondLst>
-                                            <p:cond delay="0"/>
-                                          </p:stCondLst>
-                                        </p:cTn>
-                                        <p:tgtEl>
-                                          <p:spTgt spid="6"/>
-                                        </p:tgtEl>
-                                        <p:attrNameLst>
-                                          <p:attrName>style.visibility</p:attrName>
-                                        </p:attrNameLst>
-                                      </p:cBhvr>
-                                      <p:to>
-                                        <p:strVal val="visible"/>
-                                      </p:to>
-                                    </p:set>
-                                  </p:childTnLst>
-                                </p:cTn>
-                              </p:par>
-                            </p:childTnLst>
-                          </p:cTn>
-                        </p:par>
-                      </p:childTnLst>
-                    </p:cTn>
-                  </p:par>
-                </p:childTnLst>
-              </p:cTn>
-              <p:prevCondLst>
-                <p:cond evt="onPrev" delay="0">
-                  <p:tgtEl>
-                    <p:sldTgt/>
-                  </p:tgtEl>
-                </p:cond>
-              </p:prevCondLst>
-              <p:nextCondLst>
-                <p:cond evt="onNext" delay="0">
-                  <p:tgtEl>
-                    <p:sldTgt/>
-                  </p:tgtEl>
-                </p:cond>
-              </p:nextCondLst>
-            </p:seq>
-          </p:childTnLst>
-        </p:cTn>
-      </p:par>
-    </p:tnLst>
-    <p:bldLst>
-      <p:bldP spid="6" grpId="0" animBg="1"/>
-    </p:bldLst>
-  </p:timing>
-</p:sld>
-</file>
-
-<file path=ppt/slides/slide7.xml><?xml version="1.0" encoding="utf-8"?>
-<p:sld xmlns:a="http://schemas.openxmlformats.org/drawingml/2006/main" xmlns:r="http://schemas.openxmlformats.org/officeDocument/2006/relationships" xmlns:p="http://schemas.openxmlformats.org/presentationml/2006/main">
-  <p:cSld>
-    <p:spTree>
-      <p:nvGrpSpPr>
-        <p:cNvPr id="1" name=""/>
-        <p:cNvGrpSpPr/>
-        <p:nvPr/>
-      </p:nvGrpSpPr>
-      <p:grpSpPr>
-        <a:xfrm>
-          <a:off x="0" y="0"/>
-          <a:ext cx="0" cy="0"/>
-          <a:chOff x="0" y="0"/>
-          <a:chExt cx="0" cy="0"/>
-        </a:xfrm>
-      </p:grpSpPr>
-      <p:pic>
-        <p:nvPicPr>
-          <p:cNvPr id="7" name="Picture 6" descr="Chart, bar chart&#10;&#10;Description automatically generated">
-            <a:extLst>
-              <a:ext uri="{FF2B5EF4-FFF2-40B4-BE49-F238E27FC236}">
-                <a16:creationId xmlns:a16="http://schemas.microsoft.com/office/drawing/2014/main" id="{6BA31B74-6667-F542-86B6-368E8575C719}"/>
-              </a:ext>
-            </a:extLst>
-          </p:cNvPr>
-          <p:cNvPicPr>
-            <a:picLocks noChangeAspect="1"/>
-          </p:cNvPicPr>
-          <p:nvPr/>
-        </p:nvPicPr>
-        <p:blipFill>
-          <a:blip r:embed="rId2"/>
-          <a:stretch>
-            <a:fillRect/>
-          </a:stretch>
-        </p:blipFill>
-        <p:spPr>
-          <a:xfrm>
-            <a:off x="371652" y="2915743"/>
-            <a:ext cx="11544300" cy="3911600"/>
-          </a:xfrm>
-          <a:prstGeom prst="rect">
-            <a:avLst/>
-          </a:prstGeom>
-        </p:spPr>
-      </p:pic>
-      <p:sp>
-        <p:nvSpPr>
-          <p:cNvPr id="2" name="Title 1">
-            <a:extLst>
-              <a:ext uri="{FF2B5EF4-FFF2-40B4-BE49-F238E27FC236}">
-                <a16:creationId xmlns:a16="http://schemas.microsoft.com/office/drawing/2014/main" id="{FF978FFE-36A7-3440-922B-7E4EED553C63}"/>
-              </a:ext>
-            </a:extLst>
-          </p:cNvPr>
-          <p:cNvSpPr>
-            <a:spLocks noGrp="1"/>
-          </p:cNvSpPr>
-          <p:nvPr>
-            <p:ph type="title"/>
-          </p:nvPr>
-        </p:nvSpPr>
-        <p:spPr/>
-        <p:txBody>
-          <a:bodyPr>
-            <a:normAutofit fontScale="90000"/>
-          </a:bodyPr>
-          <a:lstStyle/>
-          <a:p>
-            <a:pPr lvl="0"/>
-            <a:r>
-              <a:rPr lang="en-SG" dirty="0" err="1"/>
-              <a:t>i</a:t>
-            </a:r>
-            <a:r>
-              <a:rPr lang="en-SG" dirty="0"/>
-              <a:t>) Is there any area with high density of high/low priced HDB?</a:t>
-            </a:r>
-          </a:p>
-        </p:txBody>
-      </p:sp>
-      <p:sp>
-        <p:nvSpPr>
-          <p:cNvPr id="3" name="Content Placeholder 2">
-            <a:extLst>
-              <a:ext uri="{FF2B5EF4-FFF2-40B4-BE49-F238E27FC236}">
-                <a16:creationId xmlns:a16="http://schemas.microsoft.com/office/drawing/2014/main" id="{87DC7C77-DEF8-D944-9D9C-44A60BB38122}"/>
-              </a:ext>
-            </a:extLst>
-          </p:cNvPr>
-          <p:cNvSpPr>
-            <a:spLocks noGrp="1"/>
-          </p:cNvSpPr>
-          <p:nvPr>
-            <p:ph idx="1"/>
-          </p:nvPr>
-        </p:nvSpPr>
-        <p:spPr/>
-        <p:txBody>
-          <a:bodyPr/>
-          <a:lstStyle/>
-          <a:p>
-            <a:r>
-              <a:rPr lang="en-US" dirty="0"/>
-              <a:t>- Bottom 10% of all transactions</a:t>
-            </a:r>
-          </a:p>
-          <a:p>
-            <a:endParaRPr lang="en-SG" dirty="0"/>
-          </a:p>
-          <a:p>
-            <a:endParaRPr lang="en-US" dirty="0"/>
-          </a:p>
-        </p:txBody>
-      </p:sp>
-      <p:sp>
-        <p:nvSpPr>
-          <p:cNvPr id="6" name="Frame 5">
-            <a:extLst>
-              <a:ext uri="{FF2B5EF4-FFF2-40B4-BE49-F238E27FC236}">
-                <a16:creationId xmlns:a16="http://schemas.microsoft.com/office/drawing/2014/main" id="{25AEBA3C-C0FF-A84C-84C2-F5B9C1FCB4FA}"/>
-              </a:ext>
-            </a:extLst>
-          </p:cNvPr>
-          <p:cNvSpPr/>
-          <p:nvPr/>
-        </p:nvSpPr>
-        <p:spPr>
-          <a:xfrm>
-            <a:off x="1108315" y="2932384"/>
-            <a:ext cx="2186976" cy="3878317"/>
-          </a:xfrm>
-          <a:prstGeom prst="frame">
-            <a:avLst>
-              <a:gd name="adj1" fmla="val 3728"/>
-            </a:avLst>
-          </a:prstGeom>
-          <a:solidFill>
-            <a:srgbClr val="00B0F0"/>
-          </a:solidFill>
-        </p:spPr>
-        <p:style>
-          <a:lnRef idx="2">
-            <a:schemeClr val="accent1">
-              <a:shade val="50000"/>
-            </a:schemeClr>
-          </a:lnRef>
-          <a:fillRef idx="1">
-            <a:schemeClr val="accent1"/>
-          </a:fillRef>
-          <a:effectRef idx="0">
-            <a:schemeClr val="accent1"/>
-          </a:effectRef>
-          <a:fontRef idx="minor">
-            <a:schemeClr val="lt1"/>
-          </a:fontRef>
-        </p:style>
-        <p:txBody>
-          <a:bodyPr rtlCol="0" anchor="ctr"/>
-          <a:lstStyle/>
-          <a:p>
-            <a:pPr algn="ctr"/>
-            <a:endParaRPr lang="en-US">
-              <a:solidFill>
-                <a:schemeClr val="tx1"/>
-              </a:solidFill>
-            </a:endParaRPr>
-          </a:p>
-        </p:txBody>
-      </p:sp>
-    </p:spTree>
-    <p:extLst>
-      <p:ext uri="{BB962C8B-B14F-4D97-AF65-F5344CB8AC3E}">
-        <p14:creationId xmlns:p14="http://schemas.microsoft.com/office/powerpoint/2010/main" val="1010853777"/>
-      </p:ext>
-    </p:extLst>
-  </p:cSld>
-  <p:clrMapOvr>
-    <a:masterClrMapping/>
-  </p:clrMapOvr>
-  <p:timing>
-    <p:tnLst>
-      <p:par>
-        <p:cTn id="1" dur="indefinite" restart="never" nodeType="tmRoot">
-          <p:childTnLst>
-            <p:seq concurrent="1" nextAc="seek">
-              <p:cTn id="2" dur="indefinite" nodeType="mainSeq">
-                <p:childTnLst>
-                  <p:par>
-                    <p:cTn id="3" fill="hold">
-                      <p:stCondLst>
-                        <p:cond delay="indefinite"/>
-                      </p:stCondLst>
-                      <p:childTnLst>
-                        <p:par>
-                          <p:cTn id="4" fill="hold">
-                            <p:stCondLst>
-                              <p:cond delay="0"/>
-                            </p:stCondLst>
-                            <p:childTnLst>
-                              <p:par>
-                                <p:cTn id="5" presetID="1" presetClass="entr" presetSubtype="0" fill="hold" grpId="0" nodeType="clickEffect">
-                                  <p:stCondLst>
-                                    <p:cond delay="0"/>
-                                  </p:stCondLst>
-                                  <p:childTnLst>
-                                    <p:set>
-                                      <p:cBhvr>
-                                        <p:cTn id="6" dur="1" fill="hold">
-                                          <p:stCondLst>
-                                            <p:cond delay="0"/>
-                                          </p:stCondLst>
-                                        </p:cTn>
-                                        <p:tgtEl>
-                                          <p:spTgt spid="6"/>
-                                        </p:tgtEl>
-                                        <p:attrNameLst>
-                                          <p:attrName>style.visibility</p:attrName>
-                                        </p:attrNameLst>
-                                      </p:cBhvr>
-                                      <p:to>
-                                        <p:strVal val="visible"/>
-                                      </p:to>
-                                    </p:set>
-                                  </p:childTnLst>
-                                </p:cTn>
-                              </p:par>
-                            </p:childTnLst>
-                          </p:cTn>
-                        </p:par>
-                      </p:childTnLst>
-                    </p:cTn>
-                  </p:par>
-                </p:childTnLst>
-              </p:cTn>
-              <p:prevCondLst>
-                <p:cond evt="onPrev" delay="0">
-                  <p:tgtEl>
-                    <p:sldTgt/>
-                  </p:tgtEl>
-                </p:cond>
-              </p:prevCondLst>
-              <p:nextCondLst>
-                <p:cond evt="onNext" delay="0">
-                  <p:tgtEl>
-                    <p:sldTgt/>
-                  </p:tgtEl>
-                </p:cond>
-              </p:nextCondLst>
-            </p:seq>
-          </p:childTnLst>
-        </p:cTn>
-      </p:par>
-    </p:tnLst>
-    <p:bldLst>
-      <p:bldP spid="6" grpId="0" animBg="1"/>
-    </p:bldLst>
-  </p:timing>
-</p:sld>
-</file>
-
-<file path=ppt/slides/slide8.xml><?xml version="1.0" encoding="utf-8"?>
-<p:sld xmlns:a="http://schemas.openxmlformats.org/drawingml/2006/main" xmlns:r="http://schemas.openxmlformats.org/officeDocument/2006/relationships" xmlns:p="http://schemas.openxmlformats.org/presentationml/2006/main">
-  <p:cSld>
-    <p:spTree>
-      <p:nvGrpSpPr>
-        <p:cNvPr id="1" name=""/>
-        <p:cNvGrpSpPr/>
-        <p:nvPr/>
-      </p:nvGrpSpPr>
-      <p:grpSpPr>
-        <a:xfrm>
-          <a:off x="0" y="0"/>
-          <a:ext cx="0" cy="0"/>
-          <a:chOff x="0" y="0"/>
-          <a:chExt cx="0" cy="0"/>
-        </a:xfrm>
-      </p:grpSpPr>
-      <p:sp>
-        <p:nvSpPr>
-          <p:cNvPr id="2" name="Title 1">
-            <a:extLst>
-              <a:ext uri="{FF2B5EF4-FFF2-40B4-BE49-F238E27FC236}">
-                <a16:creationId xmlns:a16="http://schemas.microsoft.com/office/drawing/2014/main" id="{FF978FFE-36A7-3440-922B-7E4EED553C63}"/>
-              </a:ext>
-            </a:extLst>
-          </p:cNvPr>
-          <p:cNvSpPr>
-            <a:spLocks noGrp="1"/>
-          </p:cNvSpPr>
-          <p:nvPr>
-            <p:ph type="title"/>
-          </p:nvPr>
-        </p:nvSpPr>
-        <p:spPr/>
-        <p:txBody>
-          <a:bodyPr>
-            <a:normAutofit fontScale="90000"/>
-          </a:bodyPr>
-          <a:lstStyle/>
-          <a:p>
-            <a:r>
-              <a:rPr lang="en-SG" dirty="0"/>
-              <a:t>ii) Is there any meaningful trend on the lease-adjusted resale price?</a:t>
-            </a:r>
-          </a:p>
-        </p:txBody>
-      </p:sp>
-      <p:sp>
-        <p:nvSpPr>
-          <p:cNvPr id="3" name="Content Placeholder 2">
-            <a:extLst>
-              <a:ext uri="{FF2B5EF4-FFF2-40B4-BE49-F238E27FC236}">
-                <a16:creationId xmlns:a16="http://schemas.microsoft.com/office/drawing/2014/main" id="{87DC7C77-DEF8-D944-9D9C-44A60BB38122}"/>
-              </a:ext>
-            </a:extLst>
-          </p:cNvPr>
-          <p:cNvSpPr>
-            <a:spLocks noGrp="1"/>
-          </p:cNvSpPr>
-          <p:nvPr>
-            <p:ph idx="1"/>
-          </p:nvPr>
-        </p:nvSpPr>
-        <p:spPr/>
-        <p:txBody>
-          <a:bodyPr/>
-          <a:lstStyle/>
-          <a:p>
-            <a:r>
-              <a:rPr lang="en-US" dirty="0"/>
-              <a:t>- Top 10% of all transactions</a:t>
-            </a:r>
-          </a:p>
-          <a:p>
-            <a:endParaRPr lang="en-SG" dirty="0"/>
-          </a:p>
-          <a:p>
-            <a:endParaRPr lang="en-US" dirty="0"/>
-          </a:p>
-        </p:txBody>
-      </p:sp>
-      <p:pic>
-        <p:nvPicPr>
-          <p:cNvPr id="7" name="Picture 6" descr="Chart, bar chart&#10;&#10;Description automatically generated">
-            <a:extLst>
-              <a:ext uri="{FF2B5EF4-FFF2-40B4-BE49-F238E27FC236}">
-                <a16:creationId xmlns:a16="http://schemas.microsoft.com/office/drawing/2014/main" id="{445AD5E0-0594-574C-A1E0-D27602AB1524}"/>
-              </a:ext>
-            </a:extLst>
-          </p:cNvPr>
-          <p:cNvPicPr>
-            <a:picLocks noChangeAspect="1"/>
-          </p:cNvPicPr>
-          <p:nvPr/>
-        </p:nvPicPr>
-        <p:blipFill>
-          <a:blip r:embed="rId2"/>
-          <a:stretch>
-            <a:fillRect/>
-          </a:stretch>
-        </p:blipFill>
-        <p:spPr>
-          <a:xfrm>
-            <a:off x="1562854" y="2754005"/>
-            <a:ext cx="9485342" cy="4103996"/>
-          </a:xfrm>
-          <a:prstGeom prst="rect">
-            <a:avLst/>
-          </a:prstGeom>
-        </p:spPr>
-      </p:pic>
-      <p:sp>
-        <p:nvSpPr>
-          <p:cNvPr id="6" name="Frame 5">
-            <a:extLst>
-              <a:ext uri="{FF2B5EF4-FFF2-40B4-BE49-F238E27FC236}">
-                <a16:creationId xmlns:a16="http://schemas.microsoft.com/office/drawing/2014/main" id="{25AEBA3C-C0FF-A84C-84C2-F5B9C1FCB4FA}"/>
-              </a:ext>
-            </a:extLst>
-          </p:cNvPr>
-          <p:cNvSpPr/>
-          <p:nvPr/>
-        </p:nvSpPr>
-        <p:spPr>
-          <a:xfrm>
-            <a:off x="2270830" y="2932385"/>
-            <a:ext cx="1818091" cy="3925615"/>
-          </a:xfrm>
-          <a:prstGeom prst="frame">
-            <a:avLst>
-              <a:gd name="adj1" fmla="val 3728"/>
-            </a:avLst>
-          </a:prstGeom>
-          <a:solidFill>
-            <a:srgbClr val="00B0F0"/>
-          </a:solidFill>
-        </p:spPr>
-        <p:style>
-          <a:lnRef idx="2">
-            <a:schemeClr val="accent1">
-              <a:shade val="50000"/>
-            </a:schemeClr>
-          </a:lnRef>
-          <a:fillRef idx="1">
-            <a:schemeClr val="accent1"/>
-          </a:fillRef>
-          <a:effectRef idx="0">
-            <a:schemeClr val="accent1"/>
-          </a:effectRef>
-          <a:fontRef idx="minor">
-            <a:schemeClr val="lt1"/>
-          </a:fontRef>
-        </p:style>
-        <p:txBody>
-          <a:bodyPr rtlCol="0" anchor="ctr"/>
-          <a:lstStyle/>
-          <a:p>
-            <a:pPr algn="ctr"/>
-            <a:endParaRPr lang="en-US">
-              <a:solidFill>
-                <a:schemeClr val="tx1"/>
-              </a:solidFill>
-            </a:endParaRPr>
-          </a:p>
-        </p:txBody>
-      </p:sp>
-    </p:spTree>
-    <p:extLst>
-      <p:ext uri="{BB962C8B-B14F-4D97-AF65-F5344CB8AC3E}">
-        <p14:creationId xmlns:p14="http://schemas.microsoft.com/office/powerpoint/2010/main" val="3317215329"/>
-      </p:ext>
-    </p:extLst>
-  </p:cSld>
-  <p:clrMapOvr>
-    <a:masterClrMapping/>
-  </p:clrMapOvr>
-  <p:timing>
-    <p:tnLst>
-      <p:par>
-        <p:cTn id="1" dur="indefinite" restart="never" nodeType="tmRoot">
-          <p:childTnLst>
-            <p:seq concurrent="1" nextAc="seek">
-              <p:cTn id="2" dur="indefinite" nodeType="mainSeq">
-                <p:childTnLst>
-                  <p:par>
-                    <p:cTn id="3" fill="hold">
-                      <p:stCondLst>
-                        <p:cond delay="indefinite"/>
-                      </p:stCondLst>
-                      <p:childTnLst>
-                        <p:par>
-                          <p:cTn id="4" fill="hold">
-                            <p:stCondLst>
-                              <p:cond delay="0"/>
-                            </p:stCondLst>
-                            <p:childTnLst>
-                              <p:par>
-                                <p:cTn id="5" presetID="1" presetClass="entr" presetSubtype="0" fill="hold" grpId="0" nodeType="clickEffect">
-                                  <p:stCondLst>
-                                    <p:cond delay="0"/>
-                                  </p:stCondLst>
-                                  <p:childTnLst>
-                                    <p:set>
-                                      <p:cBhvr>
-                                        <p:cTn id="6" dur="1" fill="hold">
-                                          <p:stCondLst>
-                                            <p:cond delay="0"/>
-                                          </p:stCondLst>
-                                        </p:cTn>
-                                        <p:tgtEl>
-                                          <p:spTgt spid="6"/>
-                                        </p:tgtEl>
-                                        <p:attrNameLst>
-                                          <p:attrName>style.visibility</p:attrName>
-                                        </p:attrNameLst>
-                                      </p:cBhvr>
-                                      <p:to>
-                                        <p:strVal val="visible"/>
-                                      </p:to>
-                                    </p:set>
-                                  </p:childTnLst>
-                                </p:cTn>
-                              </p:par>
-                            </p:childTnLst>
-                          </p:cTn>
-                        </p:par>
-                      </p:childTnLst>
-                    </p:cTn>
-                  </p:par>
-                </p:childTnLst>
-              </p:cTn>
-              <p:prevCondLst>
-                <p:cond evt="onPrev" delay="0">
-                  <p:tgtEl>
-                    <p:sldTgt/>
-                  </p:tgtEl>
-                </p:cond>
-              </p:prevCondLst>
-              <p:nextCondLst>
-                <p:cond evt="onNext" delay="0">
-                  <p:tgtEl>
-                    <p:sldTgt/>
-                  </p:tgtEl>
-                </p:cond>
-              </p:nextCondLst>
-            </p:seq>
-          </p:childTnLst>
-        </p:cTn>
-      </p:par>
-    </p:tnLst>
-    <p:bldLst>
-      <p:bldP spid="6" grpId="0" animBg="1"/>
-    </p:bldLst>
-  </p:timing>
-</p:sld>
-</file>
-
-<file path=ppt/slides/slide9.xml><?xml version="1.0" encoding="utf-8"?>
-<p:sld xmlns:a="http://schemas.openxmlformats.org/drawingml/2006/main" xmlns:r="http://schemas.openxmlformats.org/officeDocument/2006/relationships" xmlns:p="http://schemas.openxmlformats.org/presentationml/2006/main">
-  <p:cSld>
-    <p:spTree>
-      <p:nvGrpSpPr>
-        <p:cNvPr id="1" name=""/>
-        <p:cNvGrpSpPr/>
-        <p:nvPr/>
-      </p:nvGrpSpPr>
-      <p:grpSpPr>
-        <a:xfrm>
-          <a:off x="0" y="0"/>
-          <a:ext cx="0" cy="0"/>
-          <a:chOff x="0" y="0"/>
-          <a:chExt cx="0" cy="0"/>
-        </a:xfrm>
-      </p:grpSpPr>
-      <p:pic>
-        <p:nvPicPr>
-          <p:cNvPr id="9" name="Picture 8" descr="Chart, bar chart, waterfall chart&#10;&#10;Description automatically generated">
-            <a:extLst>
-              <a:ext uri="{FF2B5EF4-FFF2-40B4-BE49-F238E27FC236}">
-                <a16:creationId xmlns:a16="http://schemas.microsoft.com/office/drawing/2014/main" id="{BB4780F9-A3F8-144F-844A-75960FBA4D13}"/>
-              </a:ext>
-            </a:extLst>
-          </p:cNvPr>
-          <p:cNvPicPr>
-            <a:picLocks noChangeAspect="1"/>
-          </p:cNvPicPr>
-          <p:nvPr/>
-        </p:nvPicPr>
-        <p:blipFill>
-          <a:blip r:embed="rId2"/>
-          <a:stretch>
-            <a:fillRect/>
-          </a:stretch>
-        </p:blipFill>
-        <p:spPr>
-          <a:xfrm>
-            <a:off x="1585246" y="2774977"/>
-            <a:ext cx="9021507" cy="4124117"/>
-          </a:xfrm>
-          <a:prstGeom prst="rect">
-            <a:avLst/>
-          </a:prstGeom>
-        </p:spPr>
-      </p:pic>
-      <p:sp>
-        <p:nvSpPr>
-          <p:cNvPr id="2" name="Title 1">
-            <a:extLst>
-              <a:ext uri="{FF2B5EF4-FFF2-40B4-BE49-F238E27FC236}">
-                <a16:creationId xmlns:a16="http://schemas.microsoft.com/office/drawing/2014/main" id="{FF978FFE-36A7-3440-922B-7E4EED553C63}"/>
-              </a:ext>
-            </a:extLst>
-          </p:cNvPr>
-          <p:cNvSpPr>
-            <a:spLocks noGrp="1"/>
-          </p:cNvSpPr>
-          <p:nvPr>
-            <p:ph type="title"/>
-          </p:nvPr>
-        </p:nvSpPr>
-        <p:spPr/>
-        <p:txBody>
-          <a:bodyPr>
-            <a:normAutofit fontScale="90000"/>
-          </a:bodyPr>
-          <a:lstStyle/>
-          <a:p>
-            <a:pPr lvl="0"/>
-            <a:r>
-              <a:rPr lang="en-SG" dirty="0"/>
-              <a:t>ii) Is there any meaningful trend on the lease-adjusted resale price</a:t>
-            </a:r>
-          </a:p>
-        </p:txBody>
-      </p:sp>
-      <p:sp>
-        <p:nvSpPr>
-          <p:cNvPr id="3" name="Content Placeholder 2">
-            <a:extLst>
-              <a:ext uri="{FF2B5EF4-FFF2-40B4-BE49-F238E27FC236}">
-                <a16:creationId xmlns:a16="http://schemas.microsoft.com/office/drawing/2014/main" id="{87DC7C77-DEF8-D944-9D9C-44A60BB38122}"/>
-              </a:ext>
-            </a:extLst>
-          </p:cNvPr>
-          <p:cNvSpPr>
-            <a:spLocks noGrp="1"/>
-          </p:cNvSpPr>
-          <p:nvPr>
-            <p:ph idx="1"/>
-          </p:nvPr>
-        </p:nvSpPr>
-        <p:spPr/>
-        <p:txBody>
-          <a:bodyPr/>
-          <a:lstStyle/>
-          <a:p>
-            <a:r>
-              <a:rPr lang="en-US" dirty="0"/>
-              <a:t>- Bottom 10% of all transactions</a:t>
-            </a:r>
-          </a:p>
-          <a:p>
-            <a:endParaRPr lang="en-SG" dirty="0"/>
-          </a:p>
-          <a:p>
-            <a:endParaRPr lang="en-US" dirty="0"/>
-          </a:p>
-        </p:txBody>
-      </p:sp>
-      <p:sp>
-        <p:nvSpPr>
-          <p:cNvPr id="6" name="Frame 5">
-            <a:extLst>
-              <a:ext uri="{FF2B5EF4-FFF2-40B4-BE49-F238E27FC236}">
-                <a16:creationId xmlns:a16="http://schemas.microsoft.com/office/drawing/2014/main" id="{25AEBA3C-C0FF-A84C-84C2-F5B9C1FCB4FA}"/>
-              </a:ext>
-            </a:extLst>
-          </p:cNvPr>
-          <p:cNvSpPr/>
-          <p:nvPr/>
-        </p:nvSpPr>
-        <p:spPr>
-          <a:xfrm>
-            <a:off x="2115292" y="2897878"/>
-            <a:ext cx="1807413" cy="3878317"/>
-          </a:xfrm>
-          <a:prstGeom prst="frame">
-            <a:avLst>
-              <a:gd name="adj1" fmla="val 3728"/>
-            </a:avLst>
-          </a:prstGeom>
-          <a:solidFill>
-            <a:srgbClr val="00B0F0"/>
-          </a:solidFill>
-        </p:spPr>
-        <p:style>
-          <a:lnRef idx="2">
-            <a:schemeClr val="accent1">
-              <a:shade val="50000"/>
-            </a:schemeClr>
-          </a:lnRef>
-          <a:fillRef idx="1">
-            <a:schemeClr val="accent1"/>
-          </a:fillRef>
-          <a:effectRef idx="0">
-            <a:schemeClr val="accent1"/>
-          </a:effectRef>
-          <a:fontRef idx="minor">
-            <a:schemeClr val="lt1"/>
-          </a:fontRef>
-        </p:style>
-        <p:txBody>
-          <a:bodyPr rtlCol="0" anchor="ctr"/>
-          <a:lstStyle/>
-          <a:p>
-            <a:pPr algn="ctr"/>
-            <a:endParaRPr lang="en-US">
-              <a:solidFill>
-                <a:schemeClr val="tx1"/>
-              </a:solidFill>
-            </a:endParaRPr>
-          </a:p>
-        </p:txBody>
-      </p:sp>
-    </p:spTree>
-    <p:extLst>
-      <p:ext uri="{BB962C8B-B14F-4D97-AF65-F5344CB8AC3E}">
-        <p14:creationId xmlns:p14="http://schemas.microsoft.com/office/powerpoint/2010/main" val="2691111117"/>
       </p:ext>
     </p:extLst>
   </p:cSld>
